--- a/Pic_maker_bdDwC.pptx
+++ b/Pic_maker_bdDwC.pptx
@@ -6,7 +6,7 @@
     <p:sldMasterId id="2147483660" r:id="rId2"/>
   </p:sldMasterIdLst>
   <p:notesMasterIdLst>
-    <p:notesMasterId r:id="rId15"/>
+    <p:notesMasterId r:id="rId17"/>
   </p:notesMasterIdLst>
   <p:sldIdLst>
     <p:sldId id="260" r:id="rId3"/>
@@ -21,6 +21,8 @@
     <p:sldId id="263" r:id="rId12"/>
     <p:sldId id="457" r:id="rId13"/>
     <p:sldId id="264" r:id="rId14"/>
+    <p:sldId id="458" r:id="rId15"/>
+    <p:sldId id="459" r:id="rId16"/>
   </p:sldIdLst>
   <p:sldSz cx="12192000" cy="6858000"/>
   <p:notesSz cx="6858000" cy="9144000"/>
@@ -220,7 +222,7 @@
           <a:p>
             <a:fld id="{03554104-C56E-4ED6-8835-1AB108937455}" type="datetimeFigureOut">
               <a:rPr lang="en-GB" smtClean="0"/>
-              <a:t>03/09/2018</a:t>
+              <a:t>16/10/2018</a:t>
             </a:fld>
             <a:endParaRPr lang="en-GB"/>
           </a:p>
@@ -871,7 +873,7 @@
           <a:p>
             <a:fld id="{B1AF5A66-0B22-4445-9954-DE0E7C20DE35}" type="datetimeFigureOut">
               <a:rPr lang="en-GB" smtClean="0"/>
-              <a:t>02/09/2018</a:t>
+              <a:t>16/10/2018</a:t>
             </a:fld>
             <a:endParaRPr lang="en-GB"/>
           </a:p>
@@ -1071,7 +1073,7 @@
           <a:p>
             <a:fld id="{B1AF5A66-0B22-4445-9954-DE0E7C20DE35}" type="datetimeFigureOut">
               <a:rPr lang="en-GB" smtClean="0"/>
-              <a:t>02/09/2018</a:t>
+              <a:t>16/10/2018</a:t>
             </a:fld>
             <a:endParaRPr lang="en-GB"/>
           </a:p>
@@ -1281,7 +1283,7 @@
           <a:p>
             <a:fld id="{B1AF5A66-0B22-4445-9954-DE0E7C20DE35}" type="datetimeFigureOut">
               <a:rPr lang="en-GB" smtClean="0"/>
-              <a:t>02/09/2018</a:t>
+              <a:t>16/10/2018</a:t>
             </a:fld>
             <a:endParaRPr lang="en-GB"/>
           </a:p>
@@ -1537,7 +1539,7 @@
           <a:p>
             <a:fld id="{DCF44842-C67C-4636-9E1A-F6AFB380A03B}" type="datetimeFigureOut">
               <a:rPr lang="he-IL" smtClean="0"/>
-              <a:t>כ"ג/אלול/תשע"ח</a:t>
+              <a:t>ז'/חשון/תשע"ט</a:t>
             </a:fld>
             <a:endParaRPr lang="he-IL"/>
           </a:p>
@@ -2671,7 +2673,7 @@
           <a:p>
             <a:fld id="{DCF44842-C67C-4636-9E1A-F6AFB380A03B}" type="datetimeFigureOut">
               <a:rPr lang="he-IL" smtClean="0"/>
-              <a:t>כ"ג/אלול/תשע"ח</a:t>
+              <a:t>ז'/חשון/תשע"ט</a:t>
             </a:fld>
             <a:endParaRPr lang="he-IL"/>
           </a:p>
@@ -2939,7 +2941,7 @@
           <a:p>
             <a:fld id="{DCF44842-C67C-4636-9E1A-F6AFB380A03B}" type="datetimeFigureOut">
               <a:rPr lang="he-IL" smtClean="0"/>
-              <a:t>כ"ג/אלול/תשע"ח</a:t>
+              <a:t>ז'/חשון/תשע"ט</a:t>
             </a:fld>
             <a:endParaRPr lang="he-IL"/>
           </a:p>
@@ -3354,7 +3356,7 @@
           <a:p>
             <a:fld id="{DCF44842-C67C-4636-9E1A-F6AFB380A03B}" type="datetimeFigureOut">
               <a:rPr lang="he-IL" smtClean="0"/>
-              <a:t>כ"ג/אלול/תשע"ח</a:t>
+              <a:t>ז'/חשון/תשע"ט</a:t>
             </a:fld>
             <a:endParaRPr lang="he-IL"/>
           </a:p>
@@ -3496,7 +3498,7 @@
           <a:p>
             <a:fld id="{DCF44842-C67C-4636-9E1A-F6AFB380A03B}" type="datetimeFigureOut">
               <a:rPr lang="he-IL" smtClean="0"/>
-              <a:t>כ"ג/אלול/תשע"ח</a:t>
+              <a:t>ז'/חשון/תשע"ט</a:t>
             </a:fld>
             <a:endParaRPr lang="he-IL"/>
           </a:p>
@@ -3609,7 +3611,7 @@
           <a:p>
             <a:fld id="{DCF44842-C67C-4636-9E1A-F6AFB380A03B}" type="datetimeFigureOut">
               <a:rPr lang="he-IL" smtClean="0"/>
-              <a:t>כ"ג/אלול/תשע"ח</a:t>
+              <a:t>ז'/חשון/תשע"ט</a:t>
             </a:fld>
             <a:endParaRPr lang="he-IL"/>
           </a:p>
@@ -3922,7 +3924,7 @@
           <a:p>
             <a:fld id="{DCF44842-C67C-4636-9E1A-F6AFB380A03B}" type="datetimeFigureOut">
               <a:rPr lang="he-IL" smtClean="0"/>
-              <a:t>כ"ג/אלול/תשע"ח</a:t>
+              <a:t>ז'/חשון/תשע"ט</a:t>
             </a:fld>
             <a:endParaRPr lang="he-IL"/>
           </a:p>
@@ -4122,7 +4124,7 @@
           <a:p>
             <a:fld id="{B1AF5A66-0B22-4445-9954-DE0E7C20DE35}" type="datetimeFigureOut">
               <a:rPr lang="en-GB" smtClean="0"/>
-              <a:t>02/09/2018</a:t>
+              <a:t>16/10/2018</a:t>
             </a:fld>
             <a:endParaRPr lang="en-GB"/>
           </a:p>
@@ -4411,7 +4413,7 @@
           <a:p>
             <a:fld id="{DCF44842-C67C-4636-9E1A-F6AFB380A03B}" type="datetimeFigureOut">
               <a:rPr lang="he-IL" smtClean="0"/>
-              <a:t>כ"ג/אלול/תשע"ח</a:t>
+              <a:t>ז'/חשון/תשע"ט</a:t>
             </a:fld>
             <a:endParaRPr lang="he-IL"/>
           </a:p>
@@ -4611,7 +4613,7 @@
           <a:p>
             <a:fld id="{DCF44842-C67C-4636-9E1A-F6AFB380A03B}" type="datetimeFigureOut">
               <a:rPr lang="he-IL" smtClean="0"/>
-              <a:t>כ"ג/אלול/תשע"ח</a:t>
+              <a:t>ז'/חשון/תשע"ט</a:t>
             </a:fld>
             <a:endParaRPr lang="he-IL"/>
           </a:p>
@@ -4821,7 +4823,7 @@
           <a:p>
             <a:fld id="{DCF44842-C67C-4636-9E1A-F6AFB380A03B}" type="datetimeFigureOut">
               <a:rPr lang="he-IL" smtClean="0"/>
-              <a:t>כ"ג/אלול/תשע"ח</a:t>
+              <a:t>ז'/חשון/תשע"ט</a:t>
             </a:fld>
             <a:endParaRPr lang="he-IL"/>
           </a:p>
@@ -5097,7 +5099,7 @@
           <a:p>
             <a:fld id="{B1AF5A66-0B22-4445-9954-DE0E7C20DE35}" type="datetimeFigureOut">
               <a:rPr lang="en-GB" smtClean="0"/>
-              <a:t>02/09/2018</a:t>
+              <a:t>16/10/2018</a:t>
             </a:fld>
             <a:endParaRPr lang="en-GB"/>
           </a:p>
@@ -5365,7 +5367,7 @@
           <a:p>
             <a:fld id="{B1AF5A66-0B22-4445-9954-DE0E7C20DE35}" type="datetimeFigureOut">
               <a:rPr lang="en-GB" smtClean="0"/>
-              <a:t>02/09/2018</a:t>
+              <a:t>16/10/2018</a:t>
             </a:fld>
             <a:endParaRPr lang="en-GB"/>
           </a:p>
@@ -5780,7 +5782,7 @@
           <a:p>
             <a:fld id="{B1AF5A66-0B22-4445-9954-DE0E7C20DE35}" type="datetimeFigureOut">
               <a:rPr lang="en-GB" smtClean="0"/>
-              <a:t>02/09/2018</a:t>
+              <a:t>16/10/2018</a:t>
             </a:fld>
             <a:endParaRPr lang="en-GB"/>
           </a:p>
@@ -5922,7 +5924,7 @@
           <a:p>
             <a:fld id="{B1AF5A66-0B22-4445-9954-DE0E7C20DE35}" type="datetimeFigureOut">
               <a:rPr lang="en-GB" smtClean="0"/>
-              <a:t>02/09/2018</a:t>
+              <a:t>16/10/2018</a:t>
             </a:fld>
             <a:endParaRPr lang="en-GB"/>
           </a:p>
@@ -6035,7 +6037,7 @@
           <a:p>
             <a:fld id="{B1AF5A66-0B22-4445-9954-DE0E7C20DE35}" type="datetimeFigureOut">
               <a:rPr lang="en-GB" smtClean="0"/>
-              <a:t>02/09/2018</a:t>
+              <a:t>16/10/2018</a:t>
             </a:fld>
             <a:endParaRPr lang="en-GB"/>
           </a:p>
@@ -6348,7 +6350,7 @@
           <a:p>
             <a:fld id="{B1AF5A66-0B22-4445-9954-DE0E7C20DE35}" type="datetimeFigureOut">
               <a:rPr lang="en-GB" smtClean="0"/>
-              <a:t>02/09/2018</a:t>
+              <a:t>16/10/2018</a:t>
             </a:fld>
             <a:endParaRPr lang="en-GB"/>
           </a:p>
@@ -6637,7 +6639,7 @@
           <a:p>
             <a:fld id="{B1AF5A66-0B22-4445-9954-DE0E7C20DE35}" type="datetimeFigureOut">
               <a:rPr lang="en-GB" smtClean="0"/>
-              <a:t>02/09/2018</a:t>
+              <a:t>16/10/2018</a:t>
             </a:fld>
             <a:endParaRPr lang="en-GB"/>
           </a:p>
@@ -6880,7 +6882,7 @@
           <a:p>
             <a:fld id="{B1AF5A66-0B22-4445-9954-DE0E7C20DE35}" type="datetimeFigureOut">
               <a:rPr lang="en-GB" smtClean="0"/>
-              <a:t>02/09/2018</a:t>
+              <a:t>16/10/2018</a:t>
             </a:fld>
             <a:endParaRPr lang="en-GB"/>
           </a:p>
@@ -7450,7 +7452,7 @@
           <a:p>
             <a:fld id="{DCF44842-C67C-4636-9E1A-F6AFB380A03B}" type="datetimeFigureOut">
               <a:rPr lang="he-IL" smtClean="0"/>
-              <a:t>כ"ג/אלול/תשע"ח</a:t>
+              <a:t>ז'/חשון/תשע"ט</a:t>
             </a:fld>
             <a:endParaRPr lang="he-IL"/>
           </a:p>
@@ -17848,9 +17850,7 @@
           <a:prstGeom prst="actionButtonBlank">
             <a:avLst/>
           </a:prstGeom>
-          <a:solidFill>
-            <a:schemeClr val="bg1"/>
-          </a:solidFill>
+          <a:noFill/>
           <a:ln>
             <a:noFill/>
           </a:ln>
@@ -20319,6 +20319,2758 @@
 </p:sld>
 </file>
 
+<file path=ppt/slides/slide13.xml><?xml version="1.0" encoding="utf-8"?>
+<p:sld xmlns:a="http://schemas.openxmlformats.org/drawingml/2006/main" xmlns:r="http://schemas.openxmlformats.org/officeDocument/2006/relationships" xmlns:p="http://schemas.openxmlformats.org/presentationml/2006/main">
+  <p:cSld>
+    <p:spTree>
+      <p:nvGrpSpPr>
+        <p:cNvPr id="1" name=""/>
+        <p:cNvGrpSpPr/>
+        <p:nvPr/>
+      </p:nvGrpSpPr>
+      <p:grpSpPr>
+        <a:xfrm>
+          <a:off x="0" y="0"/>
+          <a:ext cx="0" cy="0"/>
+          <a:chOff x="0" y="0"/>
+          <a:chExt cx="0" cy="0"/>
+        </a:xfrm>
+      </p:grpSpPr>
+      <p:sp>
+        <p:nvSpPr>
+          <p:cNvPr id="76" name="Action Button: Blank 75">
+            <a:hlinkClick r:id="" action="ppaction://noaction" highlightClick="1"/>
+            <a:extLst>
+              <a:ext uri="{FF2B5EF4-FFF2-40B4-BE49-F238E27FC236}">
+                <a16:creationId xmlns:a16="http://schemas.microsoft.com/office/drawing/2014/main" id="{3EB1C214-5961-4C7F-AEED-BC0E8524C54B}"/>
+              </a:ext>
+            </a:extLst>
+          </p:cNvPr>
+          <p:cNvSpPr/>
+          <p:nvPr/>
+        </p:nvSpPr>
+        <p:spPr>
+          <a:xfrm>
+            <a:off x="1079500" y="495299"/>
+            <a:ext cx="10706100" cy="5292571"/>
+          </a:xfrm>
+          <a:prstGeom prst="actionButtonBlank">
+            <a:avLst/>
+          </a:prstGeom>
+          <a:noFill/>
+          <a:ln>
+            <a:noFill/>
+          </a:ln>
+        </p:spPr>
+        <p:style>
+          <a:lnRef idx="2">
+            <a:schemeClr val="accent1">
+              <a:shade val="50000"/>
+            </a:schemeClr>
+          </a:lnRef>
+          <a:fillRef idx="1">
+            <a:schemeClr val="accent1"/>
+          </a:fillRef>
+          <a:effectRef idx="0">
+            <a:schemeClr val="accent1"/>
+          </a:effectRef>
+          <a:fontRef idx="minor">
+            <a:schemeClr val="lt1"/>
+          </a:fontRef>
+        </p:style>
+        <p:txBody>
+          <a:bodyPr rtlCol="0" anchor="ctr"/>
+          <a:lstStyle/>
+          <a:p>
+            <a:pPr algn="ctr"/>
+            <a:endParaRPr lang="en-GB"/>
+          </a:p>
+        </p:txBody>
+      </p:sp>
+      <p:pic>
+        <p:nvPicPr>
+          <p:cNvPr id="132" name="Picture 131">
+            <a:extLst>
+              <a:ext uri="{FF2B5EF4-FFF2-40B4-BE49-F238E27FC236}">
+                <a16:creationId xmlns:a16="http://schemas.microsoft.com/office/drawing/2014/main" id="{765C0048-E3B5-4F18-A131-19113F201572}"/>
+              </a:ext>
+            </a:extLst>
+          </p:cNvPr>
+          <p:cNvPicPr>
+            <a:picLocks noChangeAspect="1"/>
+          </p:cNvPicPr>
+          <p:nvPr/>
+        </p:nvPicPr>
+        <p:blipFill>
+          <a:blip r:embed="rId2"/>
+          <a:stretch>
+            <a:fillRect/>
+          </a:stretch>
+        </p:blipFill>
+        <p:spPr>
+          <a:xfrm>
+            <a:off x="4764300" y="2161782"/>
+            <a:ext cx="6281511" cy="3626089"/>
+          </a:xfrm>
+          <a:prstGeom prst="rect">
+            <a:avLst/>
+          </a:prstGeom>
+          <a:solidFill>
+            <a:srgbClr val="FFFFFF">
+              <a:shade val="85000"/>
+            </a:srgbClr>
+          </a:solidFill>
+          <a:ln w="101600" cap="sq">
+            <a:solidFill>
+              <a:srgbClr val="FDFDFD"/>
+            </a:solidFill>
+            <a:miter lim="800000"/>
+          </a:ln>
+          <a:effectLst>
+            <a:outerShdw blurRad="57150" dist="37500" dir="7560000" sy="98000" kx="110000" ky="200000" algn="tl" rotWithShape="0">
+              <a:srgbClr val="000000">
+                <a:alpha val="20000"/>
+              </a:srgbClr>
+            </a:outerShdw>
+          </a:effectLst>
+          <a:scene3d>
+            <a:camera prst="perspectiveRelaxed">
+              <a:rot lat="18660000" lon="0" rev="0"/>
+            </a:camera>
+            <a:lightRig rig="twoPt" dir="t">
+              <a:rot lat="0" lon="0" rev="7200000"/>
+            </a:lightRig>
+          </a:scene3d>
+          <a:sp3d prstMaterial="matte">
+            <a:bevelT w="22860" h="12700"/>
+            <a:contourClr>
+              <a:srgbClr val="FFFFFF"/>
+            </a:contourClr>
+          </a:sp3d>
+        </p:spPr>
+      </p:pic>
+      <p:pic>
+        <p:nvPicPr>
+          <p:cNvPr id="4" name="Picture 3">
+            <a:extLst>
+              <a:ext uri="{FF2B5EF4-FFF2-40B4-BE49-F238E27FC236}">
+                <a16:creationId xmlns:a16="http://schemas.microsoft.com/office/drawing/2014/main" id="{3D3EAE40-F42C-41FE-8F43-84FFECF64045}"/>
+              </a:ext>
+            </a:extLst>
+          </p:cNvPr>
+          <p:cNvPicPr>
+            <a:picLocks noChangeAspect="1"/>
+          </p:cNvPicPr>
+          <p:nvPr/>
+        </p:nvPicPr>
+        <p:blipFill rotWithShape="1">
+          <a:blip r:embed="rId3"/>
+          <a:srcRect r="20043"/>
+          <a:stretch/>
+        </p:blipFill>
+        <p:spPr>
+          <a:xfrm>
+            <a:off x="1475394" y="1613625"/>
+            <a:ext cx="3098406" cy="1423162"/>
+          </a:xfrm>
+          <a:prstGeom prst="rect">
+            <a:avLst/>
+          </a:prstGeom>
+          <a:ln w="57150">
+            <a:solidFill>
+              <a:srgbClr val="31937B"/>
+            </a:solidFill>
+          </a:ln>
+          <a:effectLst>
+            <a:outerShdw blurRad="190500" algn="tl" rotWithShape="0">
+              <a:srgbClr val="000000">
+                <a:alpha val="70000"/>
+              </a:srgbClr>
+            </a:outerShdw>
+          </a:effectLst>
+        </p:spPr>
+      </p:pic>
+      <p:pic>
+        <p:nvPicPr>
+          <p:cNvPr id="3" name="Picture 2">
+            <a:extLst>
+              <a:ext uri="{FF2B5EF4-FFF2-40B4-BE49-F238E27FC236}">
+                <a16:creationId xmlns:a16="http://schemas.microsoft.com/office/drawing/2014/main" id="{0EB0544B-A263-491B-8391-4E9869D13933}"/>
+              </a:ext>
+            </a:extLst>
+          </p:cNvPr>
+          <p:cNvPicPr>
+            <a:picLocks noChangeAspect="1"/>
+          </p:cNvPicPr>
+          <p:nvPr/>
+        </p:nvPicPr>
+        <p:blipFill rotWithShape="1">
+          <a:blip r:embed="rId4"/>
+          <a:srcRect l="12604" t="6724" r="3854" b="5659"/>
+          <a:stretch/>
+        </p:blipFill>
+        <p:spPr>
+          <a:xfrm>
+            <a:off x="2748990" y="2519025"/>
+            <a:ext cx="2807502" cy="1438757"/>
+          </a:xfrm>
+          <a:prstGeom prst="rect">
+            <a:avLst/>
+          </a:prstGeom>
+          <a:ln w="57150">
+            <a:solidFill>
+              <a:srgbClr val="31937B"/>
+            </a:solidFill>
+          </a:ln>
+          <a:effectLst>
+            <a:outerShdw blurRad="190500" algn="tl" rotWithShape="0">
+              <a:srgbClr val="000000">
+                <a:alpha val="70000"/>
+              </a:srgbClr>
+            </a:outerShdw>
+          </a:effectLst>
+        </p:spPr>
+      </p:pic>
+      <p:pic>
+        <p:nvPicPr>
+          <p:cNvPr id="5" name="Picture 4">
+            <a:extLst>
+              <a:ext uri="{FF2B5EF4-FFF2-40B4-BE49-F238E27FC236}">
+                <a16:creationId xmlns:a16="http://schemas.microsoft.com/office/drawing/2014/main" id="{DFF05B92-FEC2-4E82-A74F-5675C7250046}"/>
+              </a:ext>
+            </a:extLst>
+          </p:cNvPr>
+          <p:cNvPicPr>
+            <a:picLocks noChangeAspect="1"/>
+          </p:cNvPicPr>
+          <p:nvPr/>
+        </p:nvPicPr>
+        <p:blipFill rotWithShape="1">
+          <a:blip r:embed="rId5"/>
+          <a:srcRect r="2145"/>
+          <a:stretch/>
+        </p:blipFill>
+        <p:spPr>
+          <a:xfrm>
+            <a:off x="4212900" y="3751904"/>
+            <a:ext cx="1883100" cy="477682"/>
+          </a:xfrm>
+          <a:prstGeom prst="rect">
+            <a:avLst/>
+          </a:prstGeom>
+          <a:ln w="57150">
+            <a:solidFill>
+              <a:srgbClr val="31937B"/>
+            </a:solidFill>
+          </a:ln>
+          <a:effectLst>
+            <a:outerShdw blurRad="190500" algn="tl" rotWithShape="0">
+              <a:srgbClr val="000000">
+                <a:alpha val="70000"/>
+              </a:srgbClr>
+            </a:outerShdw>
+          </a:effectLst>
+        </p:spPr>
+      </p:pic>
+      <p:grpSp>
+        <p:nvGrpSpPr>
+          <p:cNvPr id="50" name="Group 49">
+            <a:extLst>
+              <a:ext uri="{FF2B5EF4-FFF2-40B4-BE49-F238E27FC236}">
+                <a16:creationId xmlns:a16="http://schemas.microsoft.com/office/drawing/2014/main" id="{6C07AF0A-5BC8-412B-BF00-2D7A13ED3AFD}"/>
+              </a:ext>
+            </a:extLst>
+          </p:cNvPr>
+          <p:cNvGrpSpPr/>
+          <p:nvPr/>
+        </p:nvGrpSpPr>
+        <p:grpSpPr>
+          <a:xfrm>
+            <a:off x="7972964" y="1394122"/>
+            <a:ext cx="1184958" cy="1414567"/>
+            <a:chOff x="568331" y="5003724"/>
+            <a:chExt cx="1184958" cy="1414567"/>
+          </a:xfrm>
+        </p:grpSpPr>
+        <p:grpSp>
+          <p:nvGrpSpPr>
+            <p:cNvPr id="51" name="Group 50">
+              <a:extLst>
+                <a:ext uri="{FF2B5EF4-FFF2-40B4-BE49-F238E27FC236}">
+                  <a16:creationId xmlns:a16="http://schemas.microsoft.com/office/drawing/2014/main" id="{7289AC6E-114A-464A-AA1A-4F5A2E92D936}"/>
+                </a:ext>
+              </a:extLst>
+            </p:cNvPr>
+            <p:cNvGrpSpPr/>
+            <p:nvPr/>
+          </p:nvGrpSpPr>
+          <p:grpSpPr>
+            <a:xfrm>
+              <a:off x="894319" y="5317773"/>
+              <a:ext cx="534596" cy="547441"/>
+              <a:chOff x="1975124" y="4310420"/>
+              <a:chExt cx="742074" cy="759904"/>
+            </a:xfrm>
+          </p:grpSpPr>
+          <p:sp>
+            <p:nvSpPr>
+              <p:cNvPr id="66" name="Freeform: Shape 65">
+                <a:extLst>
+                  <a:ext uri="{FF2B5EF4-FFF2-40B4-BE49-F238E27FC236}">
+                    <a16:creationId xmlns:a16="http://schemas.microsoft.com/office/drawing/2014/main" id="{ABB0CE22-1238-4488-802E-4193A6EA8CC4}"/>
+                  </a:ext>
+                </a:extLst>
+              </p:cNvPr>
+              <p:cNvSpPr/>
+              <p:nvPr/>
+            </p:nvSpPr>
+            <p:spPr>
+              <a:xfrm flipV="1">
+                <a:off x="2175212" y="4310420"/>
+                <a:ext cx="351563" cy="404096"/>
+              </a:xfrm>
+              <a:custGeom>
+                <a:avLst/>
+                <a:gdLst>
+                  <a:gd name="connsiteX0" fmla="*/ 0 w 404095"/>
+                  <a:gd name="connsiteY0" fmla="*/ 175781 h 351562"/>
+                  <a:gd name="connsiteX1" fmla="*/ 87891 w 404095"/>
+                  <a:gd name="connsiteY1" fmla="*/ 0 h 351562"/>
+                  <a:gd name="connsiteX2" fmla="*/ 316205 w 404095"/>
+                  <a:gd name="connsiteY2" fmla="*/ 0 h 351562"/>
+                  <a:gd name="connsiteX3" fmla="*/ 404095 w 404095"/>
+                  <a:gd name="connsiteY3" fmla="*/ 175781 h 351562"/>
+                  <a:gd name="connsiteX4" fmla="*/ 316205 w 404095"/>
+                  <a:gd name="connsiteY4" fmla="*/ 351562 h 351562"/>
+                  <a:gd name="connsiteX5" fmla="*/ 87891 w 404095"/>
+                  <a:gd name="connsiteY5" fmla="*/ 351562 h 351562"/>
+                  <a:gd name="connsiteX6" fmla="*/ 0 w 404095"/>
+                  <a:gd name="connsiteY6" fmla="*/ 175781 h 351562"/>
+                </a:gdLst>
+                <a:ahLst/>
+                <a:cxnLst>
+                  <a:cxn ang="0">
+                    <a:pos x="connsiteX0" y="connsiteY0"/>
+                  </a:cxn>
+                  <a:cxn ang="0">
+                    <a:pos x="connsiteX1" y="connsiteY1"/>
+                  </a:cxn>
+                  <a:cxn ang="0">
+                    <a:pos x="connsiteX2" y="connsiteY2"/>
+                  </a:cxn>
+                  <a:cxn ang="0">
+                    <a:pos x="connsiteX3" y="connsiteY3"/>
+                  </a:cxn>
+                  <a:cxn ang="0">
+                    <a:pos x="connsiteX4" y="connsiteY4"/>
+                  </a:cxn>
+                  <a:cxn ang="0">
+                    <a:pos x="connsiteX5" y="connsiteY5"/>
+                  </a:cxn>
+                  <a:cxn ang="0">
+                    <a:pos x="connsiteX6" y="connsiteY6"/>
+                  </a:cxn>
+                </a:cxnLst>
+                <a:rect l="l" t="t" r="r" b="b"/>
+                <a:pathLst>
+                  <a:path w="404095" h="351562">
+                    <a:moveTo>
+                      <a:pt x="202048" y="0"/>
+                    </a:moveTo>
+                    <a:lnTo>
+                      <a:pt x="404094" y="76465"/>
+                    </a:lnTo>
+                    <a:lnTo>
+                      <a:pt x="404094" y="275098"/>
+                    </a:lnTo>
+                    <a:lnTo>
+                      <a:pt x="202048" y="351562"/>
+                    </a:lnTo>
+                    <a:lnTo>
+                      <a:pt x="1" y="275098"/>
+                    </a:lnTo>
+                    <a:lnTo>
+                      <a:pt x="1" y="76465"/>
+                    </a:lnTo>
+                    <a:lnTo>
+                      <a:pt x="202048" y="0"/>
+                    </a:lnTo>
+                    <a:close/>
+                  </a:path>
+                </a:pathLst>
+              </a:custGeom>
+              <a:solidFill>
+                <a:srgbClr val="44C1A3">
+                  <a:hueOff val="329087"/>
+                  <a:satOff val="1426"/>
+                  <a:lumOff val="941"/>
+                  <a:alphaOff val="0"/>
+                </a:srgbClr>
+              </a:solidFill>
+              <a:ln w="12700" cap="flat" cmpd="sng" algn="ctr">
+                <a:solidFill>
+                  <a:sysClr val="window" lastClr="FFFFFF">
+                    <a:hueOff val="0"/>
+                    <a:satOff val="0"/>
+                    <a:lumOff val="0"/>
+                    <a:alphaOff val="0"/>
+                  </a:sysClr>
+                </a:solidFill>
+                <a:prstDash val="solid"/>
+                <a:miter lim="800000"/>
+              </a:ln>
+              <a:effectLst/>
+            </p:spPr>
+            <p:txBody>
+              <a:bodyPr spcFirstLastPara="0" vert="horz" wrap="square" lIns="54785" tIns="62972" rIns="54786" bIns="62971" numCol="1" spcCol="1270" anchor="ctr" anchorCtr="0">
+                <a:noAutofit/>
+              </a:bodyPr>
+              <a:lstStyle/>
+              <a:p>
+                <a:pPr marL="0" marR="0" lvl="0" indent="0" algn="ctr" defTabSz="933450" rtl="1" eaLnBrk="1" fontAlgn="auto" latinLnBrk="0" hangingPunct="1">
+                  <a:lnSpc>
+                    <a:spcPct val="90000"/>
+                  </a:lnSpc>
+                  <a:spcBef>
+                    <a:spcPct val="0"/>
+                  </a:spcBef>
+                  <a:spcAft>
+                    <a:spcPct val="35000"/>
+                  </a:spcAft>
+                  <a:buClrTx/>
+                  <a:buSzTx/>
+                  <a:buFontTx/>
+                  <a:buNone/>
+                  <a:tabLst/>
+                  <a:defRPr/>
+                </a:pPr>
+                <a:endParaRPr kumimoji="0" lang="he-IL" sz="2100" b="0" i="0" u="none" strike="noStrike" kern="0" cap="none" spc="0" normalizeH="0" baseline="0" noProof="0">
+                  <a:ln>
+                    <a:noFill/>
+                  </a:ln>
+                  <a:solidFill>
+                    <a:prstClr val="white"/>
+                  </a:solidFill>
+                  <a:effectLst/>
+                  <a:uLnTx/>
+                  <a:uFillTx/>
+                  <a:latin typeface="Calibri" panose="020F0502020204030204"/>
+                  <a:ea typeface="+mn-ea"/>
+                  <a:cs typeface="Arial" panose="020B0604020202020204" pitchFamily="34" charset="0"/>
+                </a:endParaRPr>
+              </a:p>
+            </p:txBody>
+          </p:sp>
+          <p:sp>
+            <p:nvSpPr>
+              <p:cNvPr id="67" name="Freeform: Shape 66">
+                <a:extLst>
+                  <a:ext uri="{FF2B5EF4-FFF2-40B4-BE49-F238E27FC236}">
+                    <a16:creationId xmlns:a16="http://schemas.microsoft.com/office/drawing/2014/main" id="{27D1AD8E-E1EC-4E77-B549-99760D78D09D}"/>
+                  </a:ext>
+                </a:extLst>
+              </p:cNvPr>
+              <p:cNvSpPr/>
+              <p:nvPr/>
+            </p:nvSpPr>
+            <p:spPr>
+              <a:xfrm flipV="1">
+                <a:off x="2365635" y="4666228"/>
+                <a:ext cx="351563" cy="404096"/>
+              </a:xfrm>
+              <a:custGeom>
+                <a:avLst/>
+                <a:gdLst>
+                  <a:gd name="connsiteX0" fmla="*/ 0 w 404095"/>
+                  <a:gd name="connsiteY0" fmla="*/ 175781 h 351562"/>
+                  <a:gd name="connsiteX1" fmla="*/ 87891 w 404095"/>
+                  <a:gd name="connsiteY1" fmla="*/ 0 h 351562"/>
+                  <a:gd name="connsiteX2" fmla="*/ 316205 w 404095"/>
+                  <a:gd name="connsiteY2" fmla="*/ 0 h 351562"/>
+                  <a:gd name="connsiteX3" fmla="*/ 404095 w 404095"/>
+                  <a:gd name="connsiteY3" fmla="*/ 175781 h 351562"/>
+                  <a:gd name="connsiteX4" fmla="*/ 316205 w 404095"/>
+                  <a:gd name="connsiteY4" fmla="*/ 351562 h 351562"/>
+                  <a:gd name="connsiteX5" fmla="*/ 87891 w 404095"/>
+                  <a:gd name="connsiteY5" fmla="*/ 351562 h 351562"/>
+                  <a:gd name="connsiteX6" fmla="*/ 0 w 404095"/>
+                  <a:gd name="connsiteY6" fmla="*/ 175781 h 351562"/>
+                </a:gdLst>
+                <a:ahLst/>
+                <a:cxnLst>
+                  <a:cxn ang="0">
+                    <a:pos x="connsiteX0" y="connsiteY0"/>
+                  </a:cxn>
+                  <a:cxn ang="0">
+                    <a:pos x="connsiteX1" y="connsiteY1"/>
+                  </a:cxn>
+                  <a:cxn ang="0">
+                    <a:pos x="connsiteX2" y="connsiteY2"/>
+                  </a:cxn>
+                  <a:cxn ang="0">
+                    <a:pos x="connsiteX3" y="connsiteY3"/>
+                  </a:cxn>
+                  <a:cxn ang="0">
+                    <a:pos x="connsiteX4" y="connsiteY4"/>
+                  </a:cxn>
+                  <a:cxn ang="0">
+                    <a:pos x="connsiteX5" y="connsiteY5"/>
+                  </a:cxn>
+                  <a:cxn ang="0">
+                    <a:pos x="connsiteX6" y="connsiteY6"/>
+                  </a:cxn>
+                </a:cxnLst>
+                <a:rect l="l" t="t" r="r" b="b"/>
+                <a:pathLst>
+                  <a:path w="404095" h="351562">
+                    <a:moveTo>
+                      <a:pt x="202048" y="0"/>
+                    </a:moveTo>
+                    <a:lnTo>
+                      <a:pt x="404094" y="76465"/>
+                    </a:lnTo>
+                    <a:lnTo>
+                      <a:pt x="404094" y="275098"/>
+                    </a:lnTo>
+                    <a:lnTo>
+                      <a:pt x="202048" y="351562"/>
+                    </a:lnTo>
+                    <a:lnTo>
+                      <a:pt x="1" y="275098"/>
+                    </a:lnTo>
+                    <a:lnTo>
+                      <a:pt x="1" y="76465"/>
+                    </a:lnTo>
+                    <a:lnTo>
+                      <a:pt x="202048" y="0"/>
+                    </a:lnTo>
+                    <a:close/>
+                  </a:path>
+                </a:pathLst>
+              </a:custGeom>
+              <a:solidFill>
+                <a:srgbClr val="44C1A3">
+                  <a:hueOff val="658174"/>
+                  <a:satOff val="2853"/>
+                  <a:lumOff val="1882"/>
+                  <a:alphaOff val="0"/>
+                </a:srgbClr>
+              </a:solidFill>
+              <a:ln w="12700" cap="flat" cmpd="sng" algn="ctr">
+                <a:solidFill>
+                  <a:sysClr val="window" lastClr="FFFFFF">
+                    <a:hueOff val="0"/>
+                    <a:satOff val="0"/>
+                    <a:lumOff val="0"/>
+                    <a:alphaOff val="0"/>
+                  </a:sysClr>
+                </a:solidFill>
+                <a:prstDash val="solid"/>
+                <a:miter lim="800000"/>
+              </a:ln>
+              <a:effectLst/>
+            </p:spPr>
+            <p:txBody>
+              <a:bodyPr spcFirstLastPara="0" vert="horz" wrap="square" lIns="104315" tIns="112502" rIns="104316" bIns="112501" numCol="1" spcCol="1270" anchor="ctr" anchorCtr="0">
+                <a:noAutofit/>
+              </a:bodyPr>
+              <a:lstStyle/>
+              <a:p>
+                <a:pPr marL="0" marR="0" lvl="0" indent="0" algn="ctr" defTabSz="577850" rtl="1" eaLnBrk="1" fontAlgn="auto" latinLnBrk="0" hangingPunct="1">
+                  <a:lnSpc>
+                    <a:spcPct val="90000"/>
+                  </a:lnSpc>
+                  <a:spcBef>
+                    <a:spcPct val="0"/>
+                  </a:spcBef>
+                  <a:spcAft>
+                    <a:spcPct val="35000"/>
+                  </a:spcAft>
+                  <a:buClrTx/>
+                  <a:buSzTx/>
+                  <a:buFontTx/>
+                  <a:buNone/>
+                  <a:tabLst/>
+                  <a:defRPr/>
+                </a:pPr>
+                <a:r>
+                  <a:rPr kumimoji="0" lang="he-IL" sz="1300" b="0" i="0" u="none" strike="noStrike" kern="0" cap="none" spc="0" normalizeH="0" baseline="0" noProof="0" dirty="0">
+                    <a:ln>
+                      <a:noFill/>
+                    </a:ln>
+                    <a:solidFill>
+                      <a:prstClr val="white"/>
+                    </a:solidFill>
+                    <a:effectLst/>
+                    <a:uLnTx/>
+                    <a:uFillTx/>
+                    <a:latin typeface="Calibri" panose="020F0502020204030204"/>
+                    <a:ea typeface="+mn-ea"/>
+                    <a:cs typeface="Arial" panose="020B0604020202020204" pitchFamily="34" charset="0"/>
+                  </a:rPr>
+                  <a:t> </a:t>
+                </a:r>
+              </a:p>
+            </p:txBody>
+          </p:sp>
+          <p:sp>
+            <p:nvSpPr>
+              <p:cNvPr id="68" name="Freeform: Shape 67">
+                <a:extLst>
+                  <a:ext uri="{FF2B5EF4-FFF2-40B4-BE49-F238E27FC236}">
+                    <a16:creationId xmlns:a16="http://schemas.microsoft.com/office/drawing/2014/main" id="{D38D2221-B808-4E90-8E2B-CCCE3850A939}"/>
+                  </a:ext>
+                </a:extLst>
+              </p:cNvPr>
+              <p:cNvSpPr/>
+              <p:nvPr/>
+            </p:nvSpPr>
+            <p:spPr>
+              <a:xfrm flipV="1">
+                <a:off x="1975124" y="4654780"/>
+                <a:ext cx="351563" cy="404096"/>
+              </a:xfrm>
+              <a:custGeom>
+                <a:avLst/>
+                <a:gdLst>
+                  <a:gd name="connsiteX0" fmla="*/ 0 w 404095"/>
+                  <a:gd name="connsiteY0" fmla="*/ 175781 h 351562"/>
+                  <a:gd name="connsiteX1" fmla="*/ 87891 w 404095"/>
+                  <a:gd name="connsiteY1" fmla="*/ 0 h 351562"/>
+                  <a:gd name="connsiteX2" fmla="*/ 316205 w 404095"/>
+                  <a:gd name="connsiteY2" fmla="*/ 0 h 351562"/>
+                  <a:gd name="connsiteX3" fmla="*/ 404095 w 404095"/>
+                  <a:gd name="connsiteY3" fmla="*/ 175781 h 351562"/>
+                  <a:gd name="connsiteX4" fmla="*/ 316205 w 404095"/>
+                  <a:gd name="connsiteY4" fmla="*/ 351562 h 351562"/>
+                  <a:gd name="connsiteX5" fmla="*/ 87891 w 404095"/>
+                  <a:gd name="connsiteY5" fmla="*/ 351562 h 351562"/>
+                  <a:gd name="connsiteX6" fmla="*/ 0 w 404095"/>
+                  <a:gd name="connsiteY6" fmla="*/ 175781 h 351562"/>
+                </a:gdLst>
+                <a:ahLst/>
+                <a:cxnLst>
+                  <a:cxn ang="0">
+                    <a:pos x="connsiteX0" y="connsiteY0"/>
+                  </a:cxn>
+                  <a:cxn ang="0">
+                    <a:pos x="connsiteX1" y="connsiteY1"/>
+                  </a:cxn>
+                  <a:cxn ang="0">
+                    <a:pos x="connsiteX2" y="connsiteY2"/>
+                  </a:cxn>
+                  <a:cxn ang="0">
+                    <a:pos x="connsiteX3" y="connsiteY3"/>
+                  </a:cxn>
+                  <a:cxn ang="0">
+                    <a:pos x="connsiteX4" y="connsiteY4"/>
+                  </a:cxn>
+                  <a:cxn ang="0">
+                    <a:pos x="connsiteX5" y="connsiteY5"/>
+                  </a:cxn>
+                  <a:cxn ang="0">
+                    <a:pos x="connsiteX6" y="connsiteY6"/>
+                  </a:cxn>
+                </a:cxnLst>
+                <a:rect l="l" t="t" r="r" b="b"/>
+                <a:pathLst>
+                  <a:path w="404095" h="351562">
+                    <a:moveTo>
+                      <a:pt x="202048" y="0"/>
+                    </a:moveTo>
+                    <a:lnTo>
+                      <a:pt x="404094" y="76465"/>
+                    </a:lnTo>
+                    <a:lnTo>
+                      <a:pt x="404094" y="275098"/>
+                    </a:lnTo>
+                    <a:lnTo>
+                      <a:pt x="202048" y="351562"/>
+                    </a:lnTo>
+                    <a:lnTo>
+                      <a:pt x="1" y="275098"/>
+                    </a:lnTo>
+                    <a:lnTo>
+                      <a:pt x="1" y="76465"/>
+                    </a:lnTo>
+                    <a:lnTo>
+                      <a:pt x="202048" y="0"/>
+                    </a:lnTo>
+                    <a:close/>
+                  </a:path>
+                </a:pathLst>
+              </a:custGeom>
+              <a:solidFill>
+                <a:srgbClr val="44C1A3">
+                  <a:hueOff val="0"/>
+                  <a:satOff val="0"/>
+                  <a:lumOff val="0"/>
+                  <a:alphaOff val="0"/>
+                </a:srgbClr>
+              </a:solidFill>
+              <a:ln w="12700" cap="flat" cmpd="sng" algn="ctr">
+                <a:solidFill>
+                  <a:sysClr val="window" lastClr="FFFFFF">
+                    <a:hueOff val="0"/>
+                    <a:satOff val="0"/>
+                    <a:lumOff val="0"/>
+                    <a:alphaOff val="0"/>
+                  </a:sysClr>
+                </a:solidFill>
+                <a:prstDash val="solid"/>
+                <a:miter lim="800000"/>
+              </a:ln>
+              <a:effectLst/>
+            </p:spPr>
+            <p:txBody>
+              <a:bodyPr spcFirstLastPara="0" vert="horz" wrap="square" lIns="104315" tIns="112502" rIns="104316" bIns="112501" numCol="1" spcCol="1270" anchor="ctr" anchorCtr="0">
+                <a:noAutofit/>
+              </a:bodyPr>
+              <a:lstStyle/>
+              <a:p>
+                <a:pPr marL="0" marR="0" lvl="0" indent="0" algn="ctr" defTabSz="577850" rtl="1" eaLnBrk="1" fontAlgn="auto" latinLnBrk="0" hangingPunct="1">
+                  <a:lnSpc>
+                    <a:spcPct val="90000"/>
+                  </a:lnSpc>
+                  <a:spcBef>
+                    <a:spcPct val="0"/>
+                  </a:spcBef>
+                  <a:spcAft>
+                    <a:spcPct val="35000"/>
+                  </a:spcAft>
+                  <a:buClrTx/>
+                  <a:buSzTx/>
+                  <a:buFontTx/>
+                  <a:buNone/>
+                  <a:tabLst/>
+                  <a:defRPr/>
+                </a:pPr>
+                <a:r>
+                  <a:rPr kumimoji="0" lang="he-IL" sz="1300" b="0" i="0" u="none" strike="noStrike" kern="0" cap="none" spc="0" normalizeH="0" baseline="0" noProof="0" dirty="0">
+                    <a:ln>
+                      <a:noFill/>
+                    </a:ln>
+                    <a:solidFill>
+                      <a:prstClr val="white"/>
+                    </a:solidFill>
+                    <a:effectLst/>
+                    <a:uLnTx/>
+                    <a:uFillTx/>
+                    <a:latin typeface="Calibri" panose="020F0502020204030204"/>
+                    <a:ea typeface="+mn-ea"/>
+                    <a:cs typeface="Arial" panose="020B0604020202020204" pitchFamily="34" charset="0"/>
+                  </a:rPr>
+                  <a:t> </a:t>
+                </a:r>
+              </a:p>
+            </p:txBody>
+          </p:sp>
+        </p:grpSp>
+        <p:grpSp>
+          <p:nvGrpSpPr>
+            <p:cNvPr id="52" name="Group 51">
+              <a:extLst>
+                <a:ext uri="{FF2B5EF4-FFF2-40B4-BE49-F238E27FC236}">
+                  <a16:creationId xmlns:a16="http://schemas.microsoft.com/office/drawing/2014/main" id="{B0D9940E-C2E4-45E8-9155-71C60B415802}"/>
+                </a:ext>
+              </a:extLst>
+            </p:cNvPr>
+            <p:cNvGrpSpPr/>
+            <p:nvPr/>
+          </p:nvGrpSpPr>
+          <p:grpSpPr>
+            <a:xfrm>
+              <a:off x="1010033" y="5003724"/>
+              <a:ext cx="320259" cy="322611"/>
+              <a:chOff x="9982067" y="5906244"/>
+              <a:chExt cx="569852" cy="574921"/>
+            </a:xfrm>
+          </p:grpSpPr>
+          <p:sp>
+            <p:nvSpPr>
+              <p:cNvPr id="63" name="Freeform: Shape 62">
+                <a:extLst>
+                  <a:ext uri="{FF2B5EF4-FFF2-40B4-BE49-F238E27FC236}">
+                    <a16:creationId xmlns:a16="http://schemas.microsoft.com/office/drawing/2014/main" id="{39E39BAB-F576-4C0D-9FB4-DED6A4EB5D0C}"/>
+                  </a:ext>
+                </a:extLst>
+              </p:cNvPr>
+              <p:cNvSpPr/>
+              <p:nvPr/>
+            </p:nvSpPr>
+            <p:spPr>
+              <a:xfrm flipV="1">
+                <a:off x="10131415" y="5906244"/>
+                <a:ext cx="271155" cy="311673"/>
+              </a:xfrm>
+              <a:custGeom>
+                <a:avLst/>
+                <a:gdLst>
+                  <a:gd name="connsiteX0" fmla="*/ 0 w 404095"/>
+                  <a:gd name="connsiteY0" fmla="*/ 175781 h 351562"/>
+                  <a:gd name="connsiteX1" fmla="*/ 87891 w 404095"/>
+                  <a:gd name="connsiteY1" fmla="*/ 0 h 351562"/>
+                  <a:gd name="connsiteX2" fmla="*/ 316205 w 404095"/>
+                  <a:gd name="connsiteY2" fmla="*/ 0 h 351562"/>
+                  <a:gd name="connsiteX3" fmla="*/ 404095 w 404095"/>
+                  <a:gd name="connsiteY3" fmla="*/ 175781 h 351562"/>
+                  <a:gd name="connsiteX4" fmla="*/ 316205 w 404095"/>
+                  <a:gd name="connsiteY4" fmla="*/ 351562 h 351562"/>
+                  <a:gd name="connsiteX5" fmla="*/ 87891 w 404095"/>
+                  <a:gd name="connsiteY5" fmla="*/ 351562 h 351562"/>
+                  <a:gd name="connsiteX6" fmla="*/ 0 w 404095"/>
+                  <a:gd name="connsiteY6" fmla="*/ 175781 h 351562"/>
+                </a:gdLst>
+                <a:ahLst/>
+                <a:cxnLst>
+                  <a:cxn ang="0">
+                    <a:pos x="connsiteX0" y="connsiteY0"/>
+                  </a:cxn>
+                  <a:cxn ang="0">
+                    <a:pos x="connsiteX1" y="connsiteY1"/>
+                  </a:cxn>
+                  <a:cxn ang="0">
+                    <a:pos x="connsiteX2" y="connsiteY2"/>
+                  </a:cxn>
+                  <a:cxn ang="0">
+                    <a:pos x="connsiteX3" y="connsiteY3"/>
+                  </a:cxn>
+                  <a:cxn ang="0">
+                    <a:pos x="connsiteX4" y="connsiteY4"/>
+                  </a:cxn>
+                  <a:cxn ang="0">
+                    <a:pos x="connsiteX5" y="connsiteY5"/>
+                  </a:cxn>
+                  <a:cxn ang="0">
+                    <a:pos x="connsiteX6" y="connsiteY6"/>
+                  </a:cxn>
+                </a:cxnLst>
+                <a:rect l="l" t="t" r="r" b="b"/>
+                <a:pathLst>
+                  <a:path w="404095" h="351562">
+                    <a:moveTo>
+                      <a:pt x="202048" y="0"/>
+                    </a:moveTo>
+                    <a:lnTo>
+                      <a:pt x="404094" y="76465"/>
+                    </a:lnTo>
+                    <a:lnTo>
+                      <a:pt x="404094" y="275098"/>
+                    </a:lnTo>
+                    <a:lnTo>
+                      <a:pt x="202048" y="351562"/>
+                    </a:lnTo>
+                    <a:lnTo>
+                      <a:pt x="1" y="275098"/>
+                    </a:lnTo>
+                    <a:lnTo>
+                      <a:pt x="1" y="76465"/>
+                    </a:lnTo>
+                    <a:lnTo>
+                      <a:pt x="202048" y="0"/>
+                    </a:lnTo>
+                    <a:close/>
+                  </a:path>
+                </a:pathLst>
+              </a:custGeom>
+              <a:solidFill>
+                <a:srgbClr val="44C1A3">
+                  <a:hueOff val="0"/>
+                  <a:satOff val="0"/>
+                  <a:lumOff val="0"/>
+                  <a:alphaOff val="0"/>
+                </a:srgbClr>
+              </a:solidFill>
+              <a:ln w="12700" cap="flat" cmpd="sng" algn="ctr">
+                <a:solidFill>
+                  <a:sysClr val="window" lastClr="FFFFFF">
+                    <a:hueOff val="0"/>
+                    <a:satOff val="0"/>
+                    <a:lumOff val="0"/>
+                    <a:alphaOff val="0"/>
+                  </a:sysClr>
+                </a:solidFill>
+                <a:prstDash val="solid"/>
+                <a:miter lim="800000"/>
+              </a:ln>
+              <a:effectLst/>
+            </p:spPr>
+            <p:txBody>
+              <a:bodyPr spcFirstLastPara="0" vert="horz" wrap="square" lIns="104315" tIns="112502" rIns="104316" bIns="112501" numCol="1" spcCol="1270" anchor="ctr" anchorCtr="0">
+                <a:noAutofit/>
+              </a:bodyPr>
+              <a:lstStyle/>
+              <a:p>
+                <a:pPr marL="0" marR="0" lvl="0" indent="0" algn="ctr" defTabSz="577850" eaLnBrk="1" fontAlgn="auto" latinLnBrk="0" hangingPunct="1">
+                  <a:lnSpc>
+                    <a:spcPct val="90000"/>
+                  </a:lnSpc>
+                  <a:spcBef>
+                    <a:spcPct val="0"/>
+                  </a:spcBef>
+                  <a:spcAft>
+                    <a:spcPct val="35000"/>
+                  </a:spcAft>
+                  <a:buClrTx/>
+                  <a:buSzTx/>
+                  <a:buFontTx/>
+                  <a:buNone/>
+                  <a:tabLst/>
+                  <a:defRPr/>
+                </a:pPr>
+                <a:r>
+                  <a:rPr kumimoji="0" lang="he-IL" sz="1300" b="0" i="0" u="none" strike="noStrike" kern="0" cap="none" spc="0" normalizeH="0" baseline="0" noProof="0" dirty="0">
+                    <a:ln>
+                      <a:noFill/>
+                    </a:ln>
+                    <a:solidFill>
+                      <a:prstClr val="white"/>
+                    </a:solidFill>
+                    <a:effectLst/>
+                    <a:uLnTx/>
+                    <a:uFillTx/>
+                    <a:latin typeface="Calibri" panose="020F0502020204030204"/>
+                    <a:ea typeface="+mn-ea"/>
+                    <a:cs typeface="Arial" panose="020B0604020202020204" pitchFamily="34" charset="0"/>
+                  </a:rPr>
+                  <a:t> </a:t>
+                </a:r>
+              </a:p>
+            </p:txBody>
+          </p:sp>
+          <p:sp>
+            <p:nvSpPr>
+              <p:cNvPr id="64" name="Freeform: Shape 63">
+                <a:extLst>
+                  <a:ext uri="{FF2B5EF4-FFF2-40B4-BE49-F238E27FC236}">
+                    <a16:creationId xmlns:a16="http://schemas.microsoft.com/office/drawing/2014/main" id="{0E0D6B2A-AC3C-47E0-88CC-D8C82D4A656E}"/>
+                  </a:ext>
+                </a:extLst>
+              </p:cNvPr>
+              <p:cNvSpPr/>
+              <p:nvPr/>
+            </p:nvSpPr>
+            <p:spPr>
+              <a:xfrm flipV="1">
+                <a:off x="10280764" y="6169492"/>
+                <a:ext cx="271155" cy="311673"/>
+              </a:xfrm>
+              <a:custGeom>
+                <a:avLst/>
+                <a:gdLst>
+                  <a:gd name="connsiteX0" fmla="*/ 0 w 404095"/>
+                  <a:gd name="connsiteY0" fmla="*/ 175781 h 351562"/>
+                  <a:gd name="connsiteX1" fmla="*/ 87891 w 404095"/>
+                  <a:gd name="connsiteY1" fmla="*/ 0 h 351562"/>
+                  <a:gd name="connsiteX2" fmla="*/ 316205 w 404095"/>
+                  <a:gd name="connsiteY2" fmla="*/ 0 h 351562"/>
+                  <a:gd name="connsiteX3" fmla="*/ 404095 w 404095"/>
+                  <a:gd name="connsiteY3" fmla="*/ 175781 h 351562"/>
+                  <a:gd name="connsiteX4" fmla="*/ 316205 w 404095"/>
+                  <a:gd name="connsiteY4" fmla="*/ 351562 h 351562"/>
+                  <a:gd name="connsiteX5" fmla="*/ 87891 w 404095"/>
+                  <a:gd name="connsiteY5" fmla="*/ 351562 h 351562"/>
+                  <a:gd name="connsiteX6" fmla="*/ 0 w 404095"/>
+                  <a:gd name="connsiteY6" fmla="*/ 175781 h 351562"/>
+                </a:gdLst>
+                <a:ahLst/>
+                <a:cxnLst>
+                  <a:cxn ang="0">
+                    <a:pos x="connsiteX0" y="connsiteY0"/>
+                  </a:cxn>
+                  <a:cxn ang="0">
+                    <a:pos x="connsiteX1" y="connsiteY1"/>
+                  </a:cxn>
+                  <a:cxn ang="0">
+                    <a:pos x="connsiteX2" y="connsiteY2"/>
+                  </a:cxn>
+                  <a:cxn ang="0">
+                    <a:pos x="connsiteX3" y="connsiteY3"/>
+                  </a:cxn>
+                  <a:cxn ang="0">
+                    <a:pos x="connsiteX4" y="connsiteY4"/>
+                  </a:cxn>
+                  <a:cxn ang="0">
+                    <a:pos x="connsiteX5" y="connsiteY5"/>
+                  </a:cxn>
+                  <a:cxn ang="0">
+                    <a:pos x="connsiteX6" y="connsiteY6"/>
+                  </a:cxn>
+                </a:cxnLst>
+                <a:rect l="l" t="t" r="r" b="b"/>
+                <a:pathLst>
+                  <a:path w="404095" h="351562">
+                    <a:moveTo>
+                      <a:pt x="202048" y="0"/>
+                    </a:moveTo>
+                    <a:lnTo>
+                      <a:pt x="404094" y="76465"/>
+                    </a:lnTo>
+                    <a:lnTo>
+                      <a:pt x="404094" y="275098"/>
+                    </a:lnTo>
+                    <a:lnTo>
+                      <a:pt x="202048" y="351562"/>
+                    </a:lnTo>
+                    <a:lnTo>
+                      <a:pt x="1" y="275098"/>
+                    </a:lnTo>
+                    <a:lnTo>
+                      <a:pt x="1" y="76465"/>
+                    </a:lnTo>
+                    <a:lnTo>
+                      <a:pt x="202048" y="0"/>
+                    </a:lnTo>
+                    <a:close/>
+                  </a:path>
+                </a:pathLst>
+              </a:custGeom>
+              <a:solidFill>
+                <a:srgbClr val="4EB3CF">
+                  <a:lumMod val="75000"/>
+                </a:srgbClr>
+              </a:solidFill>
+              <a:ln w="12700" cap="flat" cmpd="sng" algn="ctr">
+                <a:solidFill>
+                  <a:sysClr val="window" lastClr="FFFFFF">
+                    <a:hueOff val="0"/>
+                    <a:satOff val="0"/>
+                    <a:lumOff val="0"/>
+                    <a:alphaOff val="0"/>
+                  </a:sysClr>
+                </a:solidFill>
+                <a:prstDash val="solid"/>
+                <a:miter lim="800000"/>
+              </a:ln>
+              <a:effectLst/>
+            </p:spPr>
+            <p:txBody>
+              <a:bodyPr spcFirstLastPara="0" vert="horz" wrap="square" lIns="104315" tIns="112502" rIns="104316" bIns="112501" numCol="1" spcCol="1270" anchor="ctr" anchorCtr="0">
+                <a:noAutofit/>
+              </a:bodyPr>
+              <a:lstStyle/>
+              <a:p>
+                <a:pPr marL="0" marR="0" lvl="0" indent="0" algn="ctr" defTabSz="577850" eaLnBrk="1" fontAlgn="auto" latinLnBrk="0" hangingPunct="1">
+                  <a:lnSpc>
+                    <a:spcPct val="90000"/>
+                  </a:lnSpc>
+                  <a:spcBef>
+                    <a:spcPct val="0"/>
+                  </a:spcBef>
+                  <a:spcAft>
+                    <a:spcPct val="35000"/>
+                  </a:spcAft>
+                  <a:buClrTx/>
+                  <a:buSzTx/>
+                  <a:buFontTx/>
+                  <a:buNone/>
+                  <a:tabLst/>
+                  <a:defRPr/>
+                </a:pPr>
+                <a:r>
+                  <a:rPr kumimoji="0" lang="he-IL" sz="1300" b="0" i="0" u="none" strike="noStrike" kern="0" cap="none" spc="0" normalizeH="0" baseline="0" noProof="0" dirty="0">
+                    <a:ln>
+                      <a:noFill/>
+                    </a:ln>
+                    <a:solidFill>
+                      <a:prstClr val="white"/>
+                    </a:solidFill>
+                    <a:effectLst/>
+                    <a:uLnTx/>
+                    <a:uFillTx/>
+                    <a:latin typeface="Calibri" panose="020F0502020204030204"/>
+                    <a:ea typeface="+mn-ea"/>
+                    <a:cs typeface="Arial" panose="020B0604020202020204" pitchFamily="34" charset="0"/>
+                  </a:rPr>
+                  <a:t> </a:t>
+                </a:r>
+              </a:p>
+            </p:txBody>
+          </p:sp>
+          <p:sp>
+            <p:nvSpPr>
+              <p:cNvPr id="65" name="Freeform: Shape 64">
+                <a:extLst>
+                  <a:ext uri="{FF2B5EF4-FFF2-40B4-BE49-F238E27FC236}">
+                    <a16:creationId xmlns:a16="http://schemas.microsoft.com/office/drawing/2014/main" id="{B5C46AA9-3A7A-45A1-83D3-B0BB3C9AF521}"/>
+                  </a:ext>
+                </a:extLst>
+              </p:cNvPr>
+              <p:cNvSpPr/>
+              <p:nvPr/>
+            </p:nvSpPr>
+            <p:spPr>
+              <a:xfrm flipV="1">
+                <a:off x="9982067" y="6169485"/>
+                <a:ext cx="271155" cy="311673"/>
+              </a:xfrm>
+              <a:custGeom>
+                <a:avLst/>
+                <a:gdLst>
+                  <a:gd name="connsiteX0" fmla="*/ 0 w 404095"/>
+                  <a:gd name="connsiteY0" fmla="*/ 175781 h 351562"/>
+                  <a:gd name="connsiteX1" fmla="*/ 87891 w 404095"/>
+                  <a:gd name="connsiteY1" fmla="*/ 0 h 351562"/>
+                  <a:gd name="connsiteX2" fmla="*/ 316205 w 404095"/>
+                  <a:gd name="connsiteY2" fmla="*/ 0 h 351562"/>
+                  <a:gd name="connsiteX3" fmla="*/ 404095 w 404095"/>
+                  <a:gd name="connsiteY3" fmla="*/ 175781 h 351562"/>
+                  <a:gd name="connsiteX4" fmla="*/ 316205 w 404095"/>
+                  <a:gd name="connsiteY4" fmla="*/ 351562 h 351562"/>
+                  <a:gd name="connsiteX5" fmla="*/ 87891 w 404095"/>
+                  <a:gd name="connsiteY5" fmla="*/ 351562 h 351562"/>
+                  <a:gd name="connsiteX6" fmla="*/ 0 w 404095"/>
+                  <a:gd name="connsiteY6" fmla="*/ 175781 h 351562"/>
+                </a:gdLst>
+                <a:ahLst/>
+                <a:cxnLst>
+                  <a:cxn ang="0">
+                    <a:pos x="connsiteX0" y="connsiteY0"/>
+                  </a:cxn>
+                  <a:cxn ang="0">
+                    <a:pos x="connsiteX1" y="connsiteY1"/>
+                  </a:cxn>
+                  <a:cxn ang="0">
+                    <a:pos x="connsiteX2" y="connsiteY2"/>
+                  </a:cxn>
+                  <a:cxn ang="0">
+                    <a:pos x="connsiteX3" y="connsiteY3"/>
+                  </a:cxn>
+                  <a:cxn ang="0">
+                    <a:pos x="connsiteX4" y="connsiteY4"/>
+                  </a:cxn>
+                  <a:cxn ang="0">
+                    <a:pos x="connsiteX5" y="connsiteY5"/>
+                  </a:cxn>
+                  <a:cxn ang="0">
+                    <a:pos x="connsiteX6" y="connsiteY6"/>
+                  </a:cxn>
+                </a:cxnLst>
+                <a:rect l="l" t="t" r="r" b="b"/>
+                <a:pathLst>
+                  <a:path w="404095" h="351562">
+                    <a:moveTo>
+                      <a:pt x="202048" y="0"/>
+                    </a:moveTo>
+                    <a:lnTo>
+                      <a:pt x="404094" y="76465"/>
+                    </a:lnTo>
+                    <a:lnTo>
+                      <a:pt x="404094" y="275098"/>
+                    </a:lnTo>
+                    <a:lnTo>
+                      <a:pt x="202048" y="351562"/>
+                    </a:lnTo>
+                    <a:lnTo>
+                      <a:pt x="1" y="275098"/>
+                    </a:lnTo>
+                    <a:lnTo>
+                      <a:pt x="1" y="76465"/>
+                    </a:lnTo>
+                    <a:lnTo>
+                      <a:pt x="202048" y="0"/>
+                    </a:lnTo>
+                    <a:close/>
+                  </a:path>
+                </a:pathLst>
+              </a:custGeom>
+              <a:solidFill>
+                <a:srgbClr val="4EB3CF">
+                  <a:lumMod val="75000"/>
+                </a:srgbClr>
+              </a:solidFill>
+              <a:ln w="12700" cap="flat" cmpd="sng" algn="ctr">
+                <a:solidFill>
+                  <a:sysClr val="window" lastClr="FFFFFF">
+                    <a:hueOff val="0"/>
+                    <a:satOff val="0"/>
+                    <a:lumOff val="0"/>
+                    <a:alphaOff val="0"/>
+                  </a:sysClr>
+                </a:solidFill>
+                <a:prstDash val="solid"/>
+                <a:miter lim="800000"/>
+              </a:ln>
+              <a:effectLst/>
+            </p:spPr>
+            <p:txBody>
+              <a:bodyPr spcFirstLastPara="0" vert="horz" wrap="square" lIns="104315" tIns="112502" rIns="104316" bIns="112501" numCol="1" spcCol="1270" anchor="ctr" anchorCtr="0">
+                <a:noAutofit/>
+              </a:bodyPr>
+              <a:lstStyle/>
+              <a:p>
+                <a:pPr marL="0" marR="0" lvl="0" indent="0" algn="ctr" defTabSz="577850" eaLnBrk="1" fontAlgn="auto" latinLnBrk="0" hangingPunct="1">
+                  <a:lnSpc>
+                    <a:spcPct val="90000"/>
+                  </a:lnSpc>
+                  <a:spcBef>
+                    <a:spcPct val="0"/>
+                  </a:spcBef>
+                  <a:spcAft>
+                    <a:spcPct val="35000"/>
+                  </a:spcAft>
+                  <a:buClrTx/>
+                  <a:buSzTx/>
+                  <a:buFontTx/>
+                  <a:buNone/>
+                  <a:tabLst/>
+                  <a:defRPr/>
+                </a:pPr>
+                <a:r>
+                  <a:rPr kumimoji="0" lang="he-IL" sz="1300" b="0" i="0" u="none" strike="noStrike" kern="0" cap="none" spc="0" normalizeH="0" baseline="0" noProof="0" dirty="0">
+                    <a:ln>
+                      <a:noFill/>
+                    </a:ln>
+                    <a:solidFill>
+                      <a:prstClr val="white"/>
+                    </a:solidFill>
+                    <a:effectLst/>
+                    <a:uLnTx/>
+                    <a:uFillTx/>
+                    <a:latin typeface="Calibri" panose="020F0502020204030204"/>
+                    <a:ea typeface="+mn-ea"/>
+                    <a:cs typeface="Arial" panose="020B0604020202020204" pitchFamily="34" charset="0"/>
+                  </a:rPr>
+                  <a:t> </a:t>
+                </a:r>
+              </a:p>
+            </p:txBody>
+          </p:sp>
+        </p:grpSp>
+        <p:grpSp>
+          <p:nvGrpSpPr>
+            <p:cNvPr id="53" name="Group 52">
+              <a:extLst>
+                <a:ext uri="{FF2B5EF4-FFF2-40B4-BE49-F238E27FC236}">
+                  <a16:creationId xmlns:a16="http://schemas.microsoft.com/office/drawing/2014/main" id="{C2F68616-C56D-4F19-85B3-0EC39B3C2B6B}"/>
+                </a:ext>
+              </a:extLst>
+            </p:cNvPr>
+            <p:cNvGrpSpPr/>
+            <p:nvPr/>
+          </p:nvGrpSpPr>
+          <p:grpSpPr>
+            <a:xfrm flipV="1">
+              <a:off x="568331" y="5831329"/>
+              <a:ext cx="1184958" cy="586962"/>
+              <a:chOff x="9450558" y="3990020"/>
+              <a:chExt cx="1523096" cy="754457"/>
+            </a:xfrm>
+          </p:grpSpPr>
+          <p:sp>
+            <p:nvSpPr>
+              <p:cNvPr id="56" name="Freeform: Shape 55">
+                <a:extLst>
+                  <a:ext uri="{FF2B5EF4-FFF2-40B4-BE49-F238E27FC236}">
+                    <a16:creationId xmlns:a16="http://schemas.microsoft.com/office/drawing/2014/main" id="{72C77442-594D-47D0-9154-776EE82614FA}"/>
+                  </a:ext>
+                </a:extLst>
+              </p:cNvPr>
+              <p:cNvSpPr/>
+              <p:nvPr/>
+            </p:nvSpPr>
+            <p:spPr>
+              <a:xfrm>
+                <a:off x="10438959" y="4340379"/>
+                <a:ext cx="351564" cy="404096"/>
+              </a:xfrm>
+              <a:custGeom>
+                <a:avLst/>
+                <a:gdLst>
+                  <a:gd name="connsiteX0" fmla="*/ 0 w 404095"/>
+                  <a:gd name="connsiteY0" fmla="*/ 175781 h 351562"/>
+                  <a:gd name="connsiteX1" fmla="*/ 87891 w 404095"/>
+                  <a:gd name="connsiteY1" fmla="*/ 0 h 351562"/>
+                  <a:gd name="connsiteX2" fmla="*/ 316205 w 404095"/>
+                  <a:gd name="connsiteY2" fmla="*/ 0 h 351562"/>
+                  <a:gd name="connsiteX3" fmla="*/ 404095 w 404095"/>
+                  <a:gd name="connsiteY3" fmla="*/ 175781 h 351562"/>
+                  <a:gd name="connsiteX4" fmla="*/ 316205 w 404095"/>
+                  <a:gd name="connsiteY4" fmla="*/ 351562 h 351562"/>
+                  <a:gd name="connsiteX5" fmla="*/ 87891 w 404095"/>
+                  <a:gd name="connsiteY5" fmla="*/ 351562 h 351562"/>
+                  <a:gd name="connsiteX6" fmla="*/ 0 w 404095"/>
+                  <a:gd name="connsiteY6" fmla="*/ 175781 h 351562"/>
+                </a:gdLst>
+                <a:ahLst/>
+                <a:cxnLst>
+                  <a:cxn ang="0">
+                    <a:pos x="connsiteX0" y="connsiteY0"/>
+                  </a:cxn>
+                  <a:cxn ang="0">
+                    <a:pos x="connsiteX1" y="connsiteY1"/>
+                  </a:cxn>
+                  <a:cxn ang="0">
+                    <a:pos x="connsiteX2" y="connsiteY2"/>
+                  </a:cxn>
+                  <a:cxn ang="0">
+                    <a:pos x="connsiteX3" y="connsiteY3"/>
+                  </a:cxn>
+                  <a:cxn ang="0">
+                    <a:pos x="connsiteX4" y="connsiteY4"/>
+                  </a:cxn>
+                  <a:cxn ang="0">
+                    <a:pos x="connsiteX5" y="connsiteY5"/>
+                  </a:cxn>
+                  <a:cxn ang="0">
+                    <a:pos x="connsiteX6" y="connsiteY6"/>
+                  </a:cxn>
+                </a:cxnLst>
+                <a:rect l="l" t="t" r="r" b="b"/>
+                <a:pathLst>
+                  <a:path w="404095" h="351562">
+                    <a:moveTo>
+                      <a:pt x="202048" y="0"/>
+                    </a:moveTo>
+                    <a:lnTo>
+                      <a:pt x="404094" y="76465"/>
+                    </a:lnTo>
+                    <a:lnTo>
+                      <a:pt x="404094" y="275098"/>
+                    </a:lnTo>
+                    <a:lnTo>
+                      <a:pt x="202048" y="351562"/>
+                    </a:lnTo>
+                    <a:lnTo>
+                      <a:pt x="1" y="275098"/>
+                    </a:lnTo>
+                    <a:lnTo>
+                      <a:pt x="1" y="76465"/>
+                    </a:lnTo>
+                    <a:lnTo>
+                      <a:pt x="202048" y="0"/>
+                    </a:lnTo>
+                    <a:close/>
+                  </a:path>
+                </a:pathLst>
+              </a:custGeom>
+              <a:solidFill>
+                <a:srgbClr val="44C1A3">
+                  <a:hueOff val="0"/>
+                  <a:satOff val="0"/>
+                  <a:lumOff val="0"/>
+                  <a:alphaOff val="0"/>
+                </a:srgbClr>
+              </a:solidFill>
+              <a:ln w="12700" cap="flat" cmpd="sng" algn="ctr">
+                <a:solidFill>
+                  <a:sysClr val="window" lastClr="FFFFFF">
+                    <a:hueOff val="0"/>
+                    <a:satOff val="0"/>
+                    <a:lumOff val="0"/>
+                    <a:alphaOff val="0"/>
+                  </a:sysClr>
+                </a:solidFill>
+                <a:prstDash val="solid"/>
+                <a:miter lim="800000"/>
+              </a:ln>
+              <a:effectLst/>
+            </p:spPr>
+            <p:txBody>
+              <a:bodyPr spcFirstLastPara="0" vert="horz" wrap="square" lIns="104315" tIns="112502" rIns="104316" bIns="112501" numCol="1" spcCol="1270" anchor="ctr" anchorCtr="0">
+                <a:noAutofit/>
+              </a:bodyPr>
+              <a:lstStyle/>
+              <a:p>
+                <a:pPr marL="0" marR="0" lvl="0" indent="0" algn="ctr" defTabSz="577850" rtl="1" eaLnBrk="1" fontAlgn="auto" latinLnBrk="0" hangingPunct="1">
+                  <a:lnSpc>
+                    <a:spcPct val="90000"/>
+                  </a:lnSpc>
+                  <a:spcBef>
+                    <a:spcPct val="0"/>
+                  </a:spcBef>
+                  <a:spcAft>
+                    <a:spcPct val="35000"/>
+                  </a:spcAft>
+                  <a:buClrTx/>
+                  <a:buSzTx/>
+                  <a:buFontTx/>
+                  <a:buNone/>
+                  <a:tabLst/>
+                  <a:defRPr/>
+                </a:pPr>
+                <a:r>
+                  <a:rPr kumimoji="0" lang="he-IL" sz="1300" b="0" i="0" u="none" strike="noStrike" kern="0" cap="none" spc="0" normalizeH="0" baseline="0" noProof="0" dirty="0">
+                    <a:ln>
+                      <a:noFill/>
+                    </a:ln>
+                    <a:solidFill>
+                      <a:prstClr val="white"/>
+                    </a:solidFill>
+                    <a:effectLst/>
+                    <a:uLnTx/>
+                    <a:uFillTx/>
+                    <a:latin typeface="Calibri" panose="020F0502020204030204"/>
+                    <a:ea typeface="+mn-ea"/>
+                    <a:cs typeface="Arial" panose="020B0604020202020204" pitchFamily="34" charset="0"/>
+                  </a:rPr>
+                  <a:t> </a:t>
+                </a:r>
+              </a:p>
+            </p:txBody>
+          </p:sp>
+          <p:sp>
+            <p:nvSpPr>
+              <p:cNvPr id="57" name="Freeform: Shape 56">
+                <a:extLst>
+                  <a:ext uri="{FF2B5EF4-FFF2-40B4-BE49-F238E27FC236}">
+                    <a16:creationId xmlns:a16="http://schemas.microsoft.com/office/drawing/2014/main" id="{0CEF6F33-1EDC-4B09-AAC0-9EA23D13AFB5}"/>
+                  </a:ext>
+                </a:extLst>
+              </p:cNvPr>
+              <p:cNvSpPr/>
+              <p:nvPr/>
+            </p:nvSpPr>
+            <p:spPr>
+              <a:xfrm>
+                <a:off x="9641981" y="4340381"/>
+                <a:ext cx="351563" cy="404096"/>
+              </a:xfrm>
+              <a:custGeom>
+                <a:avLst/>
+                <a:gdLst>
+                  <a:gd name="connsiteX0" fmla="*/ 0 w 404095"/>
+                  <a:gd name="connsiteY0" fmla="*/ 175781 h 351562"/>
+                  <a:gd name="connsiteX1" fmla="*/ 87891 w 404095"/>
+                  <a:gd name="connsiteY1" fmla="*/ 0 h 351562"/>
+                  <a:gd name="connsiteX2" fmla="*/ 316205 w 404095"/>
+                  <a:gd name="connsiteY2" fmla="*/ 0 h 351562"/>
+                  <a:gd name="connsiteX3" fmla="*/ 404095 w 404095"/>
+                  <a:gd name="connsiteY3" fmla="*/ 175781 h 351562"/>
+                  <a:gd name="connsiteX4" fmla="*/ 316205 w 404095"/>
+                  <a:gd name="connsiteY4" fmla="*/ 351562 h 351562"/>
+                  <a:gd name="connsiteX5" fmla="*/ 87891 w 404095"/>
+                  <a:gd name="connsiteY5" fmla="*/ 351562 h 351562"/>
+                  <a:gd name="connsiteX6" fmla="*/ 0 w 404095"/>
+                  <a:gd name="connsiteY6" fmla="*/ 175781 h 351562"/>
+                </a:gdLst>
+                <a:ahLst/>
+                <a:cxnLst>
+                  <a:cxn ang="0">
+                    <a:pos x="connsiteX0" y="connsiteY0"/>
+                  </a:cxn>
+                  <a:cxn ang="0">
+                    <a:pos x="connsiteX1" y="connsiteY1"/>
+                  </a:cxn>
+                  <a:cxn ang="0">
+                    <a:pos x="connsiteX2" y="connsiteY2"/>
+                  </a:cxn>
+                  <a:cxn ang="0">
+                    <a:pos x="connsiteX3" y="connsiteY3"/>
+                  </a:cxn>
+                  <a:cxn ang="0">
+                    <a:pos x="connsiteX4" y="connsiteY4"/>
+                  </a:cxn>
+                  <a:cxn ang="0">
+                    <a:pos x="connsiteX5" y="connsiteY5"/>
+                  </a:cxn>
+                  <a:cxn ang="0">
+                    <a:pos x="connsiteX6" y="connsiteY6"/>
+                  </a:cxn>
+                </a:cxnLst>
+                <a:rect l="l" t="t" r="r" b="b"/>
+                <a:pathLst>
+                  <a:path w="404095" h="351562">
+                    <a:moveTo>
+                      <a:pt x="202048" y="0"/>
+                    </a:moveTo>
+                    <a:lnTo>
+                      <a:pt x="404094" y="76465"/>
+                    </a:lnTo>
+                    <a:lnTo>
+                      <a:pt x="404094" y="275098"/>
+                    </a:lnTo>
+                    <a:lnTo>
+                      <a:pt x="202048" y="351562"/>
+                    </a:lnTo>
+                    <a:lnTo>
+                      <a:pt x="1" y="275098"/>
+                    </a:lnTo>
+                    <a:lnTo>
+                      <a:pt x="1" y="76465"/>
+                    </a:lnTo>
+                    <a:lnTo>
+                      <a:pt x="202048" y="0"/>
+                    </a:lnTo>
+                    <a:close/>
+                  </a:path>
+                </a:pathLst>
+              </a:custGeom>
+              <a:solidFill>
+                <a:srgbClr val="44C1A3">
+                  <a:hueOff val="329087"/>
+                  <a:satOff val="1426"/>
+                  <a:lumOff val="941"/>
+                  <a:alphaOff val="0"/>
+                </a:srgbClr>
+              </a:solidFill>
+              <a:ln w="12700" cap="flat" cmpd="sng" algn="ctr">
+                <a:solidFill>
+                  <a:sysClr val="window" lastClr="FFFFFF">
+                    <a:hueOff val="0"/>
+                    <a:satOff val="0"/>
+                    <a:lumOff val="0"/>
+                    <a:alphaOff val="0"/>
+                  </a:sysClr>
+                </a:solidFill>
+                <a:prstDash val="solid"/>
+                <a:miter lim="800000"/>
+              </a:ln>
+              <a:effectLst/>
+            </p:spPr>
+            <p:txBody>
+              <a:bodyPr spcFirstLastPara="0" vert="horz" wrap="square" lIns="54785" tIns="62972" rIns="54786" bIns="62971" numCol="1" spcCol="1270" anchor="ctr" anchorCtr="0">
+                <a:noAutofit/>
+              </a:bodyPr>
+              <a:lstStyle/>
+              <a:p>
+                <a:pPr marL="0" marR="0" lvl="0" indent="0" algn="ctr" defTabSz="933450" rtl="1" eaLnBrk="1" fontAlgn="auto" latinLnBrk="0" hangingPunct="1">
+                  <a:lnSpc>
+                    <a:spcPct val="90000"/>
+                  </a:lnSpc>
+                  <a:spcBef>
+                    <a:spcPct val="0"/>
+                  </a:spcBef>
+                  <a:spcAft>
+                    <a:spcPct val="35000"/>
+                  </a:spcAft>
+                  <a:buClrTx/>
+                  <a:buSzTx/>
+                  <a:buFontTx/>
+                  <a:buNone/>
+                  <a:tabLst/>
+                  <a:defRPr/>
+                </a:pPr>
+                <a:endParaRPr kumimoji="0" lang="he-IL" sz="2100" b="0" i="0" u="none" strike="noStrike" kern="0" cap="none" spc="0" normalizeH="0" baseline="0" noProof="0">
+                  <a:ln>
+                    <a:noFill/>
+                  </a:ln>
+                  <a:solidFill>
+                    <a:prstClr val="white"/>
+                  </a:solidFill>
+                  <a:effectLst/>
+                  <a:uLnTx/>
+                  <a:uFillTx/>
+                  <a:latin typeface="Calibri" panose="020F0502020204030204"/>
+                  <a:ea typeface="+mn-ea"/>
+                  <a:cs typeface="Arial" panose="020B0604020202020204" pitchFamily="34" charset="0"/>
+                </a:endParaRPr>
+              </a:p>
+            </p:txBody>
+          </p:sp>
+          <p:sp>
+            <p:nvSpPr>
+              <p:cNvPr id="58" name="Freeform: Shape 57">
+                <a:extLst>
+                  <a:ext uri="{FF2B5EF4-FFF2-40B4-BE49-F238E27FC236}">
+                    <a16:creationId xmlns:a16="http://schemas.microsoft.com/office/drawing/2014/main" id="{7024171F-B9B0-44AD-A9E0-3A05D6069E68}"/>
+                  </a:ext>
+                </a:extLst>
+              </p:cNvPr>
+              <p:cNvSpPr/>
+              <p:nvPr/>
+            </p:nvSpPr>
+            <p:spPr>
+              <a:xfrm>
+                <a:off x="9841069" y="3990020"/>
+                <a:ext cx="351563" cy="404096"/>
+              </a:xfrm>
+              <a:custGeom>
+                <a:avLst/>
+                <a:gdLst>
+                  <a:gd name="connsiteX0" fmla="*/ 0 w 404095"/>
+                  <a:gd name="connsiteY0" fmla="*/ 175781 h 351562"/>
+                  <a:gd name="connsiteX1" fmla="*/ 87891 w 404095"/>
+                  <a:gd name="connsiteY1" fmla="*/ 0 h 351562"/>
+                  <a:gd name="connsiteX2" fmla="*/ 316205 w 404095"/>
+                  <a:gd name="connsiteY2" fmla="*/ 0 h 351562"/>
+                  <a:gd name="connsiteX3" fmla="*/ 404095 w 404095"/>
+                  <a:gd name="connsiteY3" fmla="*/ 175781 h 351562"/>
+                  <a:gd name="connsiteX4" fmla="*/ 316205 w 404095"/>
+                  <a:gd name="connsiteY4" fmla="*/ 351562 h 351562"/>
+                  <a:gd name="connsiteX5" fmla="*/ 87891 w 404095"/>
+                  <a:gd name="connsiteY5" fmla="*/ 351562 h 351562"/>
+                  <a:gd name="connsiteX6" fmla="*/ 0 w 404095"/>
+                  <a:gd name="connsiteY6" fmla="*/ 175781 h 351562"/>
+                </a:gdLst>
+                <a:ahLst/>
+                <a:cxnLst>
+                  <a:cxn ang="0">
+                    <a:pos x="connsiteX0" y="connsiteY0"/>
+                  </a:cxn>
+                  <a:cxn ang="0">
+                    <a:pos x="connsiteX1" y="connsiteY1"/>
+                  </a:cxn>
+                  <a:cxn ang="0">
+                    <a:pos x="connsiteX2" y="connsiteY2"/>
+                  </a:cxn>
+                  <a:cxn ang="0">
+                    <a:pos x="connsiteX3" y="connsiteY3"/>
+                  </a:cxn>
+                  <a:cxn ang="0">
+                    <a:pos x="connsiteX4" y="connsiteY4"/>
+                  </a:cxn>
+                  <a:cxn ang="0">
+                    <a:pos x="connsiteX5" y="connsiteY5"/>
+                  </a:cxn>
+                  <a:cxn ang="0">
+                    <a:pos x="connsiteX6" y="connsiteY6"/>
+                  </a:cxn>
+                </a:cxnLst>
+                <a:rect l="l" t="t" r="r" b="b"/>
+                <a:pathLst>
+                  <a:path w="404095" h="351562">
+                    <a:moveTo>
+                      <a:pt x="202048" y="0"/>
+                    </a:moveTo>
+                    <a:lnTo>
+                      <a:pt x="404094" y="76465"/>
+                    </a:lnTo>
+                    <a:lnTo>
+                      <a:pt x="404094" y="275098"/>
+                    </a:lnTo>
+                    <a:lnTo>
+                      <a:pt x="202048" y="351562"/>
+                    </a:lnTo>
+                    <a:lnTo>
+                      <a:pt x="1" y="275098"/>
+                    </a:lnTo>
+                    <a:lnTo>
+                      <a:pt x="1" y="76465"/>
+                    </a:lnTo>
+                    <a:lnTo>
+                      <a:pt x="202048" y="0"/>
+                    </a:lnTo>
+                    <a:close/>
+                  </a:path>
+                </a:pathLst>
+              </a:custGeom>
+              <a:solidFill>
+                <a:srgbClr val="44C1A3">
+                  <a:hueOff val="658174"/>
+                  <a:satOff val="2853"/>
+                  <a:lumOff val="1882"/>
+                  <a:alphaOff val="0"/>
+                </a:srgbClr>
+              </a:solidFill>
+              <a:ln w="12700" cap="flat" cmpd="sng" algn="ctr">
+                <a:solidFill>
+                  <a:sysClr val="window" lastClr="FFFFFF">
+                    <a:hueOff val="0"/>
+                    <a:satOff val="0"/>
+                    <a:lumOff val="0"/>
+                    <a:alphaOff val="0"/>
+                  </a:sysClr>
+                </a:solidFill>
+                <a:prstDash val="solid"/>
+                <a:miter lim="800000"/>
+              </a:ln>
+              <a:effectLst/>
+            </p:spPr>
+            <p:txBody>
+              <a:bodyPr spcFirstLastPara="0" vert="horz" wrap="square" lIns="104315" tIns="112502" rIns="104316" bIns="112501" numCol="1" spcCol="1270" anchor="ctr" anchorCtr="0">
+                <a:noAutofit/>
+              </a:bodyPr>
+              <a:lstStyle/>
+              <a:p>
+                <a:pPr marL="0" marR="0" lvl="0" indent="0" algn="ctr" defTabSz="577850" rtl="1" eaLnBrk="1" fontAlgn="auto" latinLnBrk="0" hangingPunct="1">
+                  <a:lnSpc>
+                    <a:spcPct val="90000"/>
+                  </a:lnSpc>
+                  <a:spcBef>
+                    <a:spcPct val="0"/>
+                  </a:spcBef>
+                  <a:spcAft>
+                    <a:spcPct val="35000"/>
+                  </a:spcAft>
+                  <a:buClrTx/>
+                  <a:buSzTx/>
+                  <a:buFontTx/>
+                  <a:buNone/>
+                  <a:tabLst/>
+                  <a:defRPr/>
+                </a:pPr>
+                <a:r>
+                  <a:rPr kumimoji="0" lang="he-IL" sz="1300" b="0" i="0" u="none" strike="noStrike" kern="0" cap="none" spc="0" normalizeH="0" baseline="0" noProof="0" dirty="0">
+                    <a:ln>
+                      <a:noFill/>
+                    </a:ln>
+                    <a:solidFill>
+                      <a:prstClr val="white"/>
+                    </a:solidFill>
+                    <a:effectLst/>
+                    <a:uLnTx/>
+                    <a:uFillTx/>
+                    <a:latin typeface="Calibri" panose="020F0502020204030204"/>
+                    <a:ea typeface="+mn-ea"/>
+                    <a:cs typeface="Arial" panose="020B0604020202020204" pitchFamily="34" charset="0"/>
+                  </a:rPr>
+                  <a:t> </a:t>
+                </a:r>
+              </a:p>
+            </p:txBody>
+          </p:sp>
+          <p:sp>
+            <p:nvSpPr>
+              <p:cNvPr id="59" name="Freeform: Shape 58">
+                <a:extLst>
+                  <a:ext uri="{FF2B5EF4-FFF2-40B4-BE49-F238E27FC236}">
+                    <a16:creationId xmlns:a16="http://schemas.microsoft.com/office/drawing/2014/main" id="{D4D2E544-96B6-468A-B6CB-7317735E335A}"/>
+                  </a:ext>
+                </a:extLst>
+              </p:cNvPr>
+              <p:cNvSpPr/>
+              <p:nvPr/>
+            </p:nvSpPr>
+            <p:spPr>
+              <a:xfrm>
+                <a:off x="10622091" y="3990020"/>
+                <a:ext cx="351563" cy="404096"/>
+              </a:xfrm>
+              <a:custGeom>
+                <a:avLst/>
+                <a:gdLst>
+                  <a:gd name="connsiteX0" fmla="*/ 0 w 404095"/>
+                  <a:gd name="connsiteY0" fmla="*/ 175781 h 351562"/>
+                  <a:gd name="connsiteX1" fmla="*/ 87891 w 404095"/>
+                  <a:gd name="connsiteY1" fmla="*/ 0 h 351562"/>
+                  <a:gd name="connsiteX2" fmla="*/ 316205 w 404095"/>
+                  <a:gd name="connsiteY2" fmla="*/ 0 h 351562"/>
+                  <a:gd name="connsiteX3" fmla="*/ 404095 w 404095"/>
+                  <a:gd name="connsiteY3" fmla="*/ 175781 h 351562"/>
+                  <a:gd name="connsiteX4" fmla="*/ 316205 w 404095"/>
+                  <a:gd name="connsiteY4" fmla="*/ 351562 h 351562"/>
+                  <a:gd name="connsiteX5" fmla="*/ 87891 w 404095"/>
+                  <a:gd name="connsiteY5" fmla="*/ 351562 h 351562"/>
+                  <a:gd name="connsiteX6" fmla="*/ 0 w 404095"/>
+                  <a:gd name="connsiteY6" fmla="*/ 175781 h 351562"/>
+                </a:gdLst>
+                <a:ahLst/>
+                <a:cxnLst>
+                  <a:cxn ang="0">
+                    <a:pos x="connsiteX0" y="connsiteY0"/>
+                  </a:cxn>
+                  <a:cxn ang="0">
+                    <a:pos x="connsiteX1" y="connsiteY1"/>
+                  </a:cxn>
+                  <a:cxn ang="0">
+                    <a:pos x="connsiteX2" y="connsiteY2"/>
+                  </a:cxn>
+                  <a:cxn ang="0">
+                    <a:pos x="connsiteX3" y="connsiteY3"/>
+                  </a:cxn>
+                  <a:cxn ang="0">
+                    <a:pos x="connsiteX4" y="connsiteY4"/>
+                  </a:cxn>
+                  <a:cxn ang="0">
+                    <a:pos x="connsiteX5" y="connsiteY5"/>
+                  </a:cxn>
+                  <a:cxn ang="0">
+                    <a:pos x="connsiteX6" y="connsiteY6"/>
+                  </a:cxn>
+                </a:cxnLst>
+                <a:rect l="l" t="t" r="r" b="b"/>
+                <a:pathLst>
+                  <a:path w="404095" h="351562">
+                    <a:moveTo>
+                      <a:pt x="202048" y="0"/>
+                    </a:moveTo>
+                    <a:lnTo>
+                      <a:pt x="404094" y="76465"/>
+                    </a:lnTo>
+                    <a:lnTo>
+                      <a:pt x="404094" y="275098"/>
+                    </a:lnTo>
+                    <a:lnTo>
+                      <a:pt x="202048" y="351562"/>
+                    </a:lnTo>
+                    <a:lnTo>
+                      <a:pt x="1" y="275098"/>
+                    </a:lnTo>
+                    <a:lnTo>
+                      <a:pt x="1" y="76465"/>
+                    </a:lnTo>
+                    <a:lnTo>
+                      <a:pt x="202048" y="0"/>
+                    </a:lnTo>
+                    <a:close/>
+                  </a:path>
+                </a:pathLst>
+              </a:custGeom>
+              <a:solidFill>
+                <a:srgbClr val="4EB3CF">
+                  <a:lumMod val="75000"/>
+                </a:srgbClr>
+              </a:solidFill>
+              <a:ln w="12700" cap="flat" cmpd="sng" algn="ctr">
+                <a:solidFill>
+                  <a:sysClr val="window" lastClr="FFFFFF">
+                    <a:hueOff val="0"/>
+                    <a:satOff val="0"/>
+                    <a:lumOff val="0"/>
+                    <a:alphaOff val="0"/>
+                  </a:sysClr>
+                </a:solidFill>
+                <a:prstDash val="solid"/>
+                <a:miter lim="800000"/>
+              </a:ln>
+              <a:effectLst/>
+            </p:spPr>
+            <p:txBody>
+              <a:bodyPr spcFirstLastPara="0" vert="horz" wrap="square" lIns="104315" tIns="112502" rIns="104316" bIns="112501" numCol="1" spcCol="1270" anchor="ctr" anchorCtr="0">
+                <a:noAutofit/>
+              </a:bodyPr>
+              <a:lstStyle/>
+              <a:p>
+                <a:pPr marL="0" marR="0" lvl="0" indent="0" algn="ctr" defTabSz="577850" rtl="1" eaLnBrk="1" fontAlgn="auto" latinLnBrk="0" hangingPunct="1">
+                  <a:lnSpc>
+                    <a:spcPct val="90000"/>
+                  </a:lnSpc>
+                  <a:spcBef>
+                    <a:spcPct val="0"/>
+                  </a:spcBef>
+                  <a:spcAft>
+                    <a:spcPct val="35000"/>
+                  </a:spcAft>
+                  <a:buClrTx/>
+                  <a:buSzTx/>
+                  <a:buFontTx/>
+                  <a:buNone/>
+                  <a:tabLst/>
+                  <a:defRPr/>
+                </a:pPr>
+                <a:r>
+                  <a:rPr kumimoji="0" lang="he-IL" sz="1300" b="0" i="0" u="none" strike="noStrike" kern="0" cap="none" spc="0" normalizeH="0" baseline="0" noProof="0" dirty="0">
+                    <a:ln>
+                      <a:noFill/>
+                    </a:ln>
+                    <a:solidFill>
+                      <a:prstClr val="white"/>
+                    </a:solidFill>
+                    <a:effectLst/>
+                    <a:uLnTx/>
+                    <a:uFillTx/>
+                    <a:latin typeface="Calibri" panose="020F0502020204030204"/>
+                    <a:ea typeface="+mn-ea"/>
+                    <a:cs typeface="Arial" panose="020B0604020202020204" pitchFamily="34" charset="0"/>
+                  </a:rPr>
+                  <a:t> </a:t>
+                </a:r>
+              </a:p>
+            </p:txBody>
+          </p:sp>
+          <p:sp>
+            <p:nvSpPr>
+              <p:cNvPr id="60" name="Freeform: Shape 59">
+                <a:extLst>
+                  <a:ext uri="{FF2B5EF4-FFF2-40B4-BE49-F238E27FC236}">
+                    <a16:creationId xmlns:a16="http://schemas.microsoft.com/office/drawing/2014/main" id="{F9B92F7A-B1F4-4BB3-B7B6-442C2976AAD2}"/>
+                  </a:ext>
+                </a:extLst>
+              </p:cNvPr>
+              <p:cNvSpPr/>
+              <p:nvPr/>
+            </p:nvSpPr>
+            <p:spPr>
+              <a:xfrm>
+                <a:off x="10040470" y="4340381"/>
+                <a:ext cx="351563" cy="404096"/>
+              </a:xfrm>
+              <a:custGeom>
+                <a:avLst/>
+                <a:gdLst>
+                  <a:gd name="connsiteX0" fmla="*/ 0 w 404095"/>
+                  <a:gd name="connsiteY0" fmla="*/ 175781 h 351562"/>
+                  <a:gd name="connsiteX1" fmla="*/ 87891 w 404095"/>
+                  <a:gd name="connsiteY1" fmla="*/ 0 h 351562"/>
+                  <a:gd name="connsiteX2" fmla="*/ 316205 w 404095"/>
+                  <a:gd name="connsiteY2" fmla="*/ 0 h 351562"/>
+                  <a:gd name="connsiteX3" fmla="*/ 404095 w 404095"/>
+                  <a:gd name="connsiteY3" fmla="*/ 175781 h 351562"/>
+                  <a:gd name="connsiteX4" fmla="*/ 316205 w 404095"/>
+                  <a:gd name="connsiteY4" fmla="*/ 351562 h 351562"/>
+                  <a:gd name="connsiteX5" fmla="*/ 87891 w 404095"/>
+                  <a:gd name="connsiteY5" fmla="*/ 351562 h 351562"/>
+                  <a:gd name="connsiteX6" fmla="*/ 0 w 404095"/>
+                  <a:gd name="connsiteY6" fmla="*/ 175781 h 351562"/>
+                </a:gdLst>
+                <a:ahLst/>
+                <a:cxnLst>
+                  <a:cxn ang="0">
+                    <a:pos x="connsiteX0" y="connsiteY0"/>
+                  </a:cxn>
+                  <a:cxn ang="0">
+                    <a:pos x="connsiteX1" y="connsiteY1"/>
+                  </a:cxn>
+                  <a:cxn ang="0">
+                    <a:pos x="connsiteX2" y="connsiteY2"/>
+                  </a:cxn>
+                  <a:cxn ang="0">
+                    <a:pos x="connsiteX3" y="connsiteY3"/>
+                  </a:cxn>
+                  <a:cxn ang="0">
+                    <a:pos x="connsiteX4" y="connsiteY4"/>
+                  </a:cxn>
+                  <a:cxn ang="0">
+                    <a:pos x="connsiteX5" y="connsiteY5"/>
+                  </a:cxn>
+                  <a:cxn ang="0">
+                    <a:pos x="connsiteX6" y="connsiteY6"/>
+                  </a:cxn>
+                </a:cxnLst>
+                <a:rect l="l" t="t" r="r" b="b"/>
+                <a:pathLst>
+                  <a:path w="404095" h="351562">
+                    <a:moveTo>
+                      <a:pt x="202048" y="0"/>
+                    </a:moveTo>
+                    <a:lnTo>
+                      <a:pt x="404094" y="76465"/>
+                    </a:lnTo>
+                    <a:lnTo>
+                      <a:pt x="404094" y="275098"/>
+                    </a:lnTo>
+                    <a:lnTo>
+                      <a:pt x="202048" y="351562"/>
+                    </a:lnTo>
+                    <a:lnTo>
+                      <a:pt x="1" y="275098"/>
+                    </a:lnTo>
+                    <a:lnTo>
+                      <a:pt x="1" y="76465"/>
+                    </a:lnTo>
+                    <a:lnTo>
+                      <a:pt x="202048" y="0"/>
+                    </a:lnTo>
+                    <a:close/>
+                  </a:path>
+                </a:pathLst>
+              </a:custGeom>
+              <a:solidFill>
+                <a:srgbClr val="4EB3CF">
+                  <a:lumMod val="50000"/>
+                </a:srgbClr>
+              </a:solidFill>
+              <a:ln w="12700" cap="flat" cmpd="sng" algn="ctr">
+                <a:solidFill>
+                  <a:sysClr val="window" lastClr="FFFFFF">
+                    <a:hueOff val="0"/>
+                    <a:satOff val="0"/>
+                    <a:lumOff val="0"/>
+                    <a:alphaOff val="0"/>
+                  </a:sysClr>
+                </a:solidFill>
+                <a:prstDash val="solid"/>
+                <a:miter lim="800000"/>
+              </a:ln>
+              <a:effectLst/>
+            </p:spPr>
+            <p:txBody>
+              <a:bodyPr spcFirstLastPara="0" vert="horz" wrap="square" lIns="54785" tIns="62972" rIns="54786" bIns="62971" numCol="1" spcCol="1270" anchor="ctr" anchorCtr="0">
+                <a:noAutofit/>
+              </a:bodyPr>
+              <a:lstStyle/>
+              <a:p>
+                <a:pPr marL="0" marR="0" lvl="0" indent="0" algn="ctr" defTabSz="933450" rtl="1" eaLnBrk="1" fontAlgn="auto" latinLnBrk="0" hangingPunct="1">
+                  <a:lnSpc>
+                    <a:spcPct val="90000"/>
+                  </a:lnSpc>
+                  <a:spcBef>
+                    <a:spcPct val="0"/>
+                  </a:spcBef>
+                  <a:spcAft>
+                    <a:spcPct val="35000"/>
+                  </a:spcAft>
+                  <a:buClrTx/>
+                  <a:buSzTx/>
+                  <a:buFontTx/>
+                  <a:buNone/>
+                  <a:tabLst/>
+                  <a:defRPr/>
+                </a:pPr>
+                <a:endParaRPr kumimoji="0" lang="he-IL" sz="2100" b="0" i="0" u="none" strike="noStrike" kern="0" cap="none" spc="0" normalizeH="0" baseline="0" noProof="0">
+                  <a:ln>
+                    <a:noFill/>
+                  </a:ln>
+                  <a:solidFill>
+                    <a:prstClr val="white"/>
+                  </a:solidFill>
+                  <a:effectLst/>
+                  <a:uLnTx/>
+                  <a:uFillTx/>
+                  <a:latin typeface="Calibri" panose="020F0502020204030204"/>
+                  <a:ea typeface="+mn-ea"/>
+                  <a:cs typeface="Arial" panose="020B0604020202020204" pitchFamily="34" charset="0"/>
+                </a:endParaRPr>
+              </a:p>
+            </p:txBody>
+          </p:sp>
+          <p:sp>
+            <p:nvSpPr>
+              <p:cNvPr id="61" name="Freeform: Shape 60">
+                <a:extLst>
+                  <a:ext uri="{FF2B5EF4-FFF2-40B4-BE49-F238E27FC236}">
+                    <a16:creationId xmlns:a16="http://schemas.microsoft.com/office/drawing/2014/main" id="{0F95B52E-1C8B-47E9-8D2B-AD1A0FFD0E97}"/>
+                  </a:ext>
+                </a:extLst>
+              </p:cNvPr>
+              <p:cNvSpPr/>
+              <p:nvPr/>
+            </p:nvSpPr>
+            <p:spPr>
+              <a:xfrm>
+                <a:off x="9450558" y="3990020"/>
+                <a:ext cx="351563" cy="404096"/>
+              </a:xfrm>
+              <a:custGeom>
+                <a:avLst/>
+                <a:gdLst>
+                  <a:gd name="connsiteX0" fmla="*/ 0 w 404095"/>
+                  <a:gd name="connsiteY0" fmla="*/ 175781 h 351562"/>
+                  <a:gd name="connsiteX1" fmla="*/ 87891 w 404095"/>
+                  <a:gd name="connsiteY1" fmla="*/ 0 h 351562"/>
+                  <a:gd name="connsiteX2" fmla="*/ 316205 w 404095"/>
+                  <a:gd name="connsiteY2" fmla="*/ 0 h 351562"/>
+                  <a:gd name="connsiteX3" fmla="*/ 404095 w 404095"/>
+                  <a:gd name="connsiteY3" fmla="*/ 175781 h 351562"/>
+                  <a:gd name="connsiteX4" fmla="*/ 316205 w 404095"/>
+                  <a:gd name="connsiteY4" fmla="*/ 351562 h 351562"/>
+                  <a:gd name="connsiteX5" fmla="*/ 87891 w 404095"/>
+                  <a:gd name="connsiteY5" fmla="*/ 351562 h 351562"/>
+                  <a:gd name="connsiteX6" fmla="*/ 0 w 404095"/>
+                  <a:gd name="connsiteY6" fmla="*/ 175781 h 351562"/>
+                </a:gdLst>
+                <a:ahLst/>
+                <a:cxnLst>
+                  <a:cxn ang="0">
+                    <a:pos x="connsiteX0" y="connsiteY0"/>
+                  </a:cxn>
+                  <a:cxn ang="0">
+                    <a:pos x="connsiteX1" y="connsiteY1"/>
+                  </a:cxn>
+                  <a:cxn ang="0">
+                    <a:pos x="connsiteX2" y="connsiteY2"/>
+                  </a:cxn>
+                  <a:cxn ang="0">
+                    <a:pos x="connsiteX3" y="connsiteY3"/>
+                  </a:cxn>
+                  <a:cxn ang="0">
+                    <a:pos x="connsiteX4" y="connsiteY4"/>
+                  </a:cxn>
+                  <a:cxn ang="0">
+                    <a:pos x="connsiteX5" y="connsiteY5"/>
+                  </a:cxn>
+                  <a:cxn ang="0">
+                    <a:pos x="connsiteX6" y="connsiteY6"/>
+                  </a:cxn>
+                </a:cxnLst>
+                <a:rect l="l" t="t" r="r" b="b"/>
+                <a:pathLst>
+                  <a:path w="404095" h="351562">
+                    <a:moveTo>
+                      <a:pt x="202048" y="0"/>
+                    </a:moveTo>
+                    <a:lnTo>
+                      <a:pt x="404094" y="76465"/>
+                    </a:lnTo>
+                    <a:lnTo>
+                      <a:pt x="404094" y="275098"/>
+                    </a:lnTo>
+                    <a:lnTo>
+                      <a:pt x="202048" y="351562"/>
+                    </a:lnTo>
+                    <a:lnTo>
+                      <a:pt x="1" y="275098"/>
+                    </a:lnTo>
+                    <a:lnTo>
+                      <a:pt x="1" y="76465"/>
+                    </a:lnTo>
+                    <a:lnTo>
+                      <a:pt x="202048" y="0"/>
+                    </a:lnTo>
+                    <a:close/>
+                  </a:path>
+                </a:pathLst>
+              </a:custGeom>
+              <a:solidFill>
+                <a:srgbClr val="44C1A3">
+                  <a:hueOff val="0"/>
+                  <a:satOff val="0"/>
+                  <a:lumOff val="0"/>
+                  <a:alphaOff val="0"/>
+                </a:srgbClr>
+              </a:solidFill>
+              <a:ln w="12700" cap="flat" cmpd="sng" algn="ctr">
+                <a:solidFill>
+                  <a:sysClr val="window" lastClr="FFFFFF">
+                    <a:hueOff val="0"/>
+                    <a:satOff val="0"/>
+                    <a:lumOff val="0"/>
+                    <a:alphaOff val="0"/>
+                  </a:sysClr>
+                </a:solidFill>
+                <a:prstDash val="solid"/>
+                <a:miter lim="800000"/>
+              </a:ln>
+              <a:effectLst/>
+            </p:spPr>
+            <p:txBody>
+              <a:bodyPr spcFirstLastPara="0" vert="horz" wrap="square" lIns="104315" tIns="112502" rIns="104316" bIns="112501" numCol="1" spcCol="1270" anchor="ctr" anchorCtr="0">
+                <a:noAutofit/>
+              </a:bodyPr>
+              <a:lstStyle/>
+              <a:p>
+                <a:pPr marL="0" marR="0" lvl="0" indent="0" algn="ctr" defTabSz="577850" rtl="1" eaLnBrk="1" fontAlgn="auto" latinLnBrk="0" hangingPunct="1">
+                  <a:lnSpc>
+                    <a:spcPct val="90000"/>
+                  </a:lnSpc>
+                  <a:spcBef>
+                    <a:spcPct val="0"/>
+                  </a:spcBef>
+                  <a:spcAft>
+                    <a:spcPct val="35000"/>
+                  </a:spcAft>
+                  <a:buClrTx/>
+                  <a:buSzTx/>
+                  <a:buFontTx/>
+                  <a:buNone/>
+                  <a:tabLst/>
+                  <a:defRPr/>
+                </a:pPr>
+                <a:r>
+                  <a:rPr kumimoji="0" lang="he-IL" sz="1300" b="0" i="0" u="none" strike="noStrike" kern="0" cap="none" spc="0" normalizeH="0" baseline="0" noProof="0" dirty="0">
+                    <a:ln>
+                      <a:noFill/>
+                    </a:ln>
+                    <a:solidFill>
+                      <a:prstClr val="white"/>
+                    </a:solidFill>
+                    <a:effectLst/>
+                    <a:uLnTx/>
+                    <a:uFillTx/>
+                    <a:latin typeface="Calibri" panose="020F0502020204030204"/>
+                    <a:ea typeface="+mn-ea"/>
+                    <a:cs typeface="Arial" panose="020B0604020202020204" pitchFamily="34" charset="0"/>
+                  </a:rPr>
+                  <a:t> </a:t>
+                </a:r>
+              </a:p>
+            </p:txBody>
+          </p:sp>
+          <p:sp>
+            <p:nvSpPr>
+              <p:cNvPr id="62" name="Freeform: Shape 61">
+                <a:extLst>
+                  <a:ext uri="{FF2B5EF4-FFF2-40B4-BE49-F238E27FC236}">
+                    <a16:creationId xmlns:a16="http://schemas.microsoft.com/office/drawing/2014/main" id="{515293AB-A056-4256-9FD4-773CB893AD02}"/>
+                  </a:ext>
+                </a:extLst>
+              </p:cNvPr>
+              <p:cNvSpPr/>
+              <p:nvPr/>
+            </p:nvSpPr>
+            <p:spPr>
+              <a:xfrm>
+                <a:off x="10231580" y="3990020"/>
+                <a:ext cx="351563" cy="404096"/>
+              </a:xfrm>
+              <a:custGeom>
+                <a:avLst/>
+                <a:gdLst>
+                  <a:gd name="connsiteX0" fmla="*/ 0 w 404095"/>
+                  <a:gd name="connsiteY0" fmla="*/ 175781 h 351562"/>
+                  <a:gd name="connsiteX1" fmla="*/ 87891 w 404095"/>
+                  <a:gd name="connsiteY1" fmla="*/ 0 h 351562"/>
+                  <a:gd name="connsiteX2" fmla="*/ 316205 w 404095"/>
+                  <a:gd name="connsiteY2" fmla="*/ 0 h 351562"/>
+                  <a:gd name="connsiteX3" fmla="*/ 404095 w 404095"/>
+                  <a:gd name="connsiteY3" fmla="*/ 175781 h 351562"/>
+                  <a:gd name="connsiteX4" fmla="*/ 316205 w 404095"/>
+                  <a:gd name="connsiteY4" fmla="*/ 351562 h 351562"/>
+                  <a:gd name="connsiteX5" fmla="*/ 87891 w 404095"/>
+                  <a:gd name="connsiteY5" fmla="*/ 351562 h 351562"/>
+                  <a:gd name="connsiteX6" fmla="*/ 0 w 404095"/>
+                  <a:gd name="connsiteY6" fmla="*/ 175781 h 351562"/>
+                </a:gdLst>
+                <a:ahLst/>
+                <a:cxnLst>
+                  <a:cxn ang="0">
+                    <a:pos x="connsiteX0" y="connsiteY0"/>
+                  </a:cxn>
+                  <a:cxn ang="0">
+                    <a:pos x="connsiteX1" y="connsiteY1"/>
+                  </a:cxn>
+                  <a:cxn ang="0">
+                    <a:pos x="connsiteX2" y="connsiteY2"/>
+                  </a:cxn>
+                  <a:cxn ang="0">
+                    <a:pos x="connsiteX3" y="connsiteY3"/>
+                  </a:cxn>
+                  <a:cxn ang="0">
+                    <a:pos x="connsiteX4" y="connsiteY4"/>
+                  </a:cxn>
+                  <a:cxn ang="0">
+                    <a:pos x="connsiteX5" y="connsiteY5"/>
+                  </a:cxn>
+                  <a:cxn ang="0">
+                    <a:pos x="connsiteX6" y="connsiteY6"/>
+                  </a:cxn>
+                </a:cxnLst>
+                <a:rect l="l" t="t" r="r" b="b"/>
+                <a:pathLst>
+                  <a:path w="404095" h="351562">
+                    <a:moveTo>
+                      <a:pt x="202048" y="0"/>
+                    </a:moveTo>
+                    <a:lnTo>
+                      <a:pt x="404094" y="76465"/>
+                    </a:lnTo>
+                    <a:lnTo>
+                      <a:pt x="404094" y="275098"/>
+                    </a:lnTo>
+                    <a:lnTo>
+                      <a:pt x="202048" y="351562"/>
+                    </a:lnTo>
+                    <a:lnTo>
+                      <a:pt x="1" y="275098"/>
+                    </a:lnTo>
+                    <a:lnTo>
+                      <a:pt x="1" y="76465"/>
+                    </a:lnTo>
+                    <a:lnTo>
+                      <a:pt x="202048" y="0"/>
+                    </a:lnTo>
+                    <a:close/>
+                  </a:path>
+                </a:pathLst>
+              </a:custGeom>
+              <a:solidFill>
+                <a:srgbClr val="4EB3CF">
+                  <a:lumMod val="75000"/>
+                </a:srgbClr>
+              </a:solidFill>
+              <a:ln w="12700" cap="flat" cmpd="sng" algn="ctr">
+                <a:solidFill>
+                  <a:sysClr val="window" lastClr="FFFFFF">
+                    <a:hueOff val="0"/>
+                    <a:satOff val="0"/>
+                    <a:lumOff val="0"/>
+                    <a:alphaOff val="0"/>
+                  </a:sysClr>
+                </a:solidFill>
+                <a:prstDash val="solid"/>
+                <a:miter lim="800000"/>
+              </a:ln>
+              <a:effectLst/>
+            </p:spPr>
+            <p:txBody>
+              <a:bodyPr spcFirstLastPara="0" vert="horz" wrap="square" lIns="104315" tIns="112502" rIns="104316" bIns="112501" numCol="1" spcCol="1270" anchor="ctr" anchorCtr="0">
+                <a:noAutofit/>
+              </a:bodyPr>
+              <a:lstStyle/>
+              <a:p>
+                <a:pPr marL="0" marR="0" lvl="0" indent="0" algn="ctr" defTabSz="577850" rtl="1" eaLnBrk="1" fontAlgn="auto" latinLnBrk="0" hangingPunct="1">
+                  <a:lnSpc>
+                    <a:spcPct val="90000"/>
+                  </a:lnSpc>
+                  <a:spcBef>
+                    <a:spcPct val="0"/>
+                  </a:spcBef>
+                  <a:spcAft>
+                    <a:spcPct val="35000"/>
+                  </a:spcAft>
+                  <a:buClrTx/>
+                  <a:buSzTx/>
+                  <a:buFontTx/>
+                  <a:buNone/>
+                  <a:tabLst/>
+                  <a:defRPr/>
+                </a:pPr>
+                <a:r>
+                  <a:rPr kumimoji="0" lang="he-IL" sz="1300" b="0" i="0" u="none" strike="noStrike" kern="0" cap="none" spc="0" normalizeH="0" baseline="0" noProof="0" dirty="0">
+                    <a:ln>
+                      <a:noFill/>
+                    </a:ln>
+                    <a:solidFill>
+                      <a:prstClr val="white"/>
+                    </a:solidFill>
+                    <a:effectLst/>
+                    <a:uLnTx/>
+                    <a:uFillTx/>
+                    <a:latin typeface="Calibri" panose="020F0502020204030204"/>
+                    <a:ea typeface="+mn-ea"/>
+                    <a:cs typeface="Arial" panose="020B0604020202020204" pitchFamily="34" charset="0"/>
+                  </a:rPr>
+                  <a:t> </a:t>
+                </a:r>
+              </a:p>
+            </p:txBody>
+          </p:sp>
+        </p:grpSp>
+        <p:pic>
+          <p:nvPicPr>
+            <p:cNvPr id="54" name="Graphic 53" descr="World">
+              <a:extLst>
+                <a:ext uri="{FF2B5EF4-FFF2-40B4-BE49-F238E27FC236}">
+                  <a16:creationId xmlns:a16="http://schemas.microsoft.com/office/drawing/2014/main" id="{873ECC83-F51E-4A13-AF45-A651C89BD802}"/>
+                </a:ext>
+              </a:extLst>
+            </p:cNvPr>
+            <p:cNvPicPr>
+              <a:picLocks noChangeAspect="1"/>
+            </p:cNvPicPr>
+            <p:nvPr/>
+          </p:nvPicPr>
+          <p:blipFill>
+            <a:blip r:embed="rId6">
+              <a:extLst>
+                <a:ext uri="{28A0092B-C50C-407E-A947-70E740481C1C}">
+                  <a14:useLocalDpi xmlns:a14="http://schemas.microsoft.com/office/drawing/2010/main" val="0"/>
+                </a:ext>
+                <a:ext uri="{96DAC541-7B7A-43D3-8B79-37D633B846F1}">
+                  <asvg:svgBlip xmlns:asvg="http://schemas.microsoft.com/office/drawing/2016/SVG/main" r:embed="rId7"/>
+                </a:ext>
+              </a:extLst>
+            </a:blip>
+            <a:stretch>
+              <a:fillRect/>
+            </a:stretch>
+          </p:blipFill>
+          <p:spPr>
+            <a:xfrm>
+              <a:off x="1028638" y="5183124"/>
+              <a:ext cx="114641" cy="114641"/>
+            </a:xfrm>
+            <a:prstGeom prst="rect">
+              <a:avLst/>
+            </a:prstGeom>
+          </p:spPr>
+        </p:pic>
+        <p:pic>
+          <p:nvPicPr>
+            <p:cNvPr id="55" name="Graphic 54" descr="World">
+              <a:extLst>
+                <a:ext uri="{FF2B5EF4-FFF2-40B4-BE49-F238E27FC236}">
+                  <a16:creationId xmlns:a16="http://schemas.microsoft.com/office/drawing/2014/main" id="{F3677E17-38F3-4AC4-90BC-1EF5EF439FAA}"/>
+                </a:ext>
+              </a:extLst>
+            </p:cNvPr>
+            <p:cNvPicPr>
+              <a:picLocks noChangeAspect="1"/>
+            </p:cNvPicPr>
+            <p:nvPr/>
+          </p:nvPicPr>
+          <p:blipFill>
+            <a:blip r:embed="rId6">
+              <a:extLst>
+                <a:ext uri="{28A0092B-C50C-407E-A947-70E740481C1C}">
+                  <a14:useLocalDpi xmlns:a14="http://schemas.microsoft.com/office/drawing/2010/main" val="0"/>
+                </a:ext>
+                <a:ext uri="{96DAC541-7B7A-43D3-8B79-37D633B846F1}">
+                  <asvg:svgBlip xmlns:asvg="http://schemas.microsoft.com/office/drawing/2016/SVG/main" r:embed="rId7"/>
+                </a:ext>
+              </a:extLst>
+            </a:blip>
+            <a:stretch>
+              <a:fillRect/>
+            </a:stretch>
+          </p:blipFill>
+          <p:spPr>
+            <a:xfrm>
+              <a:off x="1196776" y="5181564"/>
+              <a:ext cx="114641" cy="114641"/>
+            </a:xfrm>
+            <a:prstGeom prst="rect">
+              <a:avLst/>
+            </a:prstGeom>
+          </p:spPr>
+        </p:pic>
+      </p:grpSp>
+      <p:sp>
+        <p:nvSpPr>
+          <p:cNvPr id="71" name="Title 1">
+            <a:extLst>
+              <a:ext uri="{FF2B5EF4-FFF2-40B4-BE49-F238E27FC236}">
+                <a16:creationId xmlns:a16="http://schemas.microsoft.com/office/drawing/2014/main" id="{E0709EF4-80A7-495C-AE3D-333FC240D5BD}"/>
+              </a:ext>
+            </a:extLst>
+          </p:cNvPr>
+          <p:cNvSpPr txBox="1">
+            <a:spLocks/>
+          </p:cNvSpPr>
+          <p:nvPr/>
+        </p:nvSpPr>
+        <p:spPr>
+          <a:xfrm>
+            <a:off x="5685619" y="1039762"/>
+            <a:ext cx="2174194" cy="779352"/>
+          </a:xfrm>
+          <a:prstGeom prst="rect">
+            <a:avLst/>
+          </a:prstGeom>
+        </p:spPr>
+        <p:txBody>
+          <a:bodyPr vert="horz" lIns="91440" tIns="45720" rIns="91440" bIns="45720" rtlCol="0" anchor="ctr">
+            <a:noAutofit/>
+          </a:bodyPr>
+          <a:lstStyle>
+            <a:lvl1pPr algn="l" defTabSz="914400" rtl="0" eaLnBrk="1" latinLnBrk="0" hangingPunct="1">
+              <a:lnSpc>
+                <a:spcPct val="150000"/>
+              </a:lnSpc>
+              <a:spcBef>
+                <a:spcPct val="0"/>
+              </a:spcBef>
+              <a:buNone/>
+              <a:defRPr lang="he-IL" sz="4000" b="1" i="0" u="none" strike="noStrike" kern="1200" cap="none" dirty="0">
+                <a:solidFill>
+                  <a:srgbClr val="214B71"/>
+                </a:solidFill>
+                <a:latin typeface="Sitka Text" panose="02000505000000020004" pitchFamily="2" charset="0"/>
+                <a:ea typeface="Courier New"/>
+                <a:cs typeface="Courier New"/>
+                <a:sym typeface="Oswald"/>
+              </a:defRPr>
+            </a:lvl1pPr>
+          </a:lstStyle>
+          <a:p>
+            <a:pPr>
+              <a:lnSpc>
+                <a:spcPct val="100000"/>
+              </a:lnSpc>
+              <a:defRPr/>
+            </a:pPr>
+            <a:r>
+              <a:rPr lang="en-US" sz="6600" spc="60" dirty="0" err="1">
+                <a:solidFill>
+                  <a:srgbClr val="31937B"/>
+                </a:solidFill>
+                <a:latin typeface="Agency FB" panose="020B0503020202020204" pitchFamily="34" charset="0"/>
+                <a:ea typeface="Segoe UI Black" panose="020B0A02040204020203" pitchFamily="34" charset="0"/>
+                <a:cs typeface="Vrinda" panose="020B0502040204020203" pitchFamily="34" charset="0"/>
+              </a:rPr>
+              <a:t>bdDwC</a:t>
+            </a:r>
+            <a:endParaRPr lang="en-US" sz="6600" spc="60" dirty="0">
+              <a:solidFill>
+                <a:srgbClr val="31937B"/>
+              </a:solidFill>
+              <a:latin typeface="Agency FB" panose="020B0503020202020204" pitchFamily="34" charset="0"/>
+              <a:ea typeface="Segoe UI Black" panose="020B0A02040204020203" pitchFamily="34" charset="0"/>
+              <a:cs typeface="Vrinda" panose="020B0502040204020203" pitchFamily="34" charset="0"/>
+            </a:endParaRPr>
+          </a:p>
+        </p:txBody>
+      </p:sp>
+      <p:pic>
+        <p:nvPicPr>
+          <p:cNvPr id="30" name="Picture 29">
+            <a:extLst>
+              <a:ext uri="{FF2B5EF4-FFF2-40B4-BE49-F238E27FC236}">
+                <a16:creationId xmlns:a16="http://schemas.microsoft.com/office/drawing/2014/main" id="{FDCA1183-40FC-4A1F-B77E-1F14551AF27D}"/>
+              </a:ext>
+            </a:extLst>
+          </p:cNvPr>
+          <p:cNvPicPr>
+            <a:picLocks noChangeAspect="1"/>
+          </p:cNvPicPr>
+          <p:nvPr/>
+        </p:nvPicPr>
+        <p:blipFill>
+          <a:blip r:embed="rId8"/>
+          <a:stretch>
+            <a:fillRect/>
+          </a:stretch>
+        </p:blipFill>
+        <p:spPr>
+          <a:xfrm>
+            <a:off x="5066584" y="1061450"/>
+            <a:ext cx="603556" cy="713294"/>
+          </a:xfrm>
+          <a:prstGeom prst="rect">
+            <a:avLst/>
+          </a:prstGeom>
+        </p:spPr>
+      </p:pic>
+    </p:spTree>
+    <p:extLst>
+      <p:ext uri="{BB962C8B-B14F-4D97-AF65-F5344CB8AC3E}">
+        <p14:creationId xmlns:p14="http://schemas.microsoft.com/office/powerpoint/2010/main" val="2458056084"/>
+      </p:ext>
+    </p:extLst>
+  </p:cSld>
+  <p:clrMapOvr>
+    <a:masterClrMapping/>
+  </p:clrMapOvr>
+</p:sld>
+</file>
+
+<file path=ppt/slides/slide14.xml><?xml version="1.0" encoding="utf-8"?>
+<p:sld xmlns:a="http://schemas.openxmlformats.org/drawingml/2006/main" xmlns:r="http://schemas.openxmlformats.org/officeDocument/2006/relationships" xmlns:p="http://schemas.openxmlformats.org/presentationml/2006/main">
+  <p:cSld>
+    <p:spTree>
+      <p:nvGrpSpPr>
+        <p:cNvPr id="1" name=""/>
+        <p:cNvGrpSpPr/>
+        <p:nvPr/>
+      </p:nvGrpSpPr>
+      <p:grpSpPr>
+        <a:xfrm>
+          <a:off x="0" y="0"/>
+          <a:ext cx="0" cy="0"/>
+          <a:chOff x="0" y="0"/>
+          <a:chExt cx="0" cy="0"/>
+        </a:xfrm>
+      </p:grpSpPr>
+      <p:sp>
+        <p:nvSpPr>
+          <p:cNvPr id="76" name="Action Button: Blank 75">
+            <a:hlinkClick r:id="" action="ppaction://noaction" highlightClick="1"/>
+            <a:extLst>
+              <a:ext uri="{FF2B5EF4-FFF2-40B4-BE49-F238E27FC236}">
+                <a16:creationId xmlns:a16="http://schemas.microsoft.com/office/drawing/2014/main" id="{3EB1C214-5961-4C7F-AEED-BC0E8524C54B}"/>
+              </a:ext>
+            </a:extLst>
+          </p:cNvPr>
+          <p:cNvSpPr/>
+          <p:nvPr/>
+        </p:nvSpPr>
+        <p:spPr>
+          <a:xfrm>
+            <a:off x="-1010942" y="1819292"/>
+            <a:ext cx="2713547" cy="1532412"/>
+          </a:xfrm>
+          <a:prstGeom prst="actionButtonBlank">
+            <a:avLst/>
+          </a:prstGeom>
+          <a:noFill/>
+          <a:ln>
+            <a:noFill/>
+          </a:ln>
+        </p:spPr>
+        <p:style>
+          <a:lnRef idx="2">
+            <a:schemeClr val="accent1">
+              <a:shade val="50000"/>
+            </a:schemeClr>
+          </a:lnRef>
+          <a:fillRef idx="1">
+            <a:schemeClr val="accent1"/>
+          </a:fillRef>
+          <a:effectRef idx="0">
+            <a:schemeClr val="accent1"/>
+          </a:effectRef>
+          <a:fontRef idx="minor">
+            <a:schemeClr val="lt1"/>
+          </a:fontRef>
+        </p:style>
+        <p:txBody>
+          <a:bodyPr rtlCol="0" anchor="ctr"/>
+          <a:lstStyle/>
+          <a:p>
+            <a:pPr algn="ctr"/>
+            <a:endParaRPr lang="en-GB"/>
+          </a:p>
+        </p:txBody>
+      </p:sp>
+      <p:pic>
+        <p:nvPicPr>
+          <p:cNvPr id="2" name="Picture 1">
+            <a:extLst>
+              <a:ext uri="{FF2B5EF4-FFF2-40B4-BE49-F238E27FC236}">
+                <a16:creationId xmlns:a16="http://schemas.microsoft.com/office/drawing/2014/main" id="{2A091856-9C6F-4532-93B2-B1F85BE854C8}"/>
+              </a:ext>
+            </a:extLst>
+          </p:cNvPr>
+          <p:cNvPicPr>
+            <a:picLocks noChangeAspect="1"/>
+          </p:cNvPicPr>
+          <p:nvPr/>
+        </p:nvPicPr>
+        <p:blipFill>
+          <a:blip r:embed="rId2"/>
+          <a:stretch>
+            <a:fillRect/>
+          </a:stretch>
+        </p:blipFill>
+        <p:spPr>
+          <a:xfrm>
+            <a:off x="2920590" y="794821"/>
+            <a:ext cx="6581775" cy="2095500"/>
+          </a:xfrm>
+          <a:prstGeom prst="rect">
+            <a:avLst/>
+          </a:prstGeom>
+        </p:spPr>
+      </p:pic>
+      <p:pic>
+        <p:nvPicPr>
+          <p:cNvPr id="7" name="Picture 6" descr="A screenshot of a social media post&#10;&#10;Description generated with very high confidence">
+            <a:extLst>
+              <a:ext uri="{FF2B5EF4-FFF2-40B4-BE49-F238E27FC236}">
+                <a16:creationId xmlns:a16="http://schemas.microsoft.com/office/drawing/2014/main" id="{CE72FED9-7243-49B0-A2E4-2E688B01393C}"/>
+              </a:ext>
+            </a:extLst>
+          </p:cNvPr>
+          <p:cNvPicPr>
+            <a:picLocks noChangeAspect="1"/>
+          </p:cNvPicPr>
+          <p:nvPr/>
+        </p:nvPicPr>
+        <p:blipFill>
+          <a:blip r:embed="rId3">
+            <a:extLst>
+              <a:ext uri="{28A0092B-C50C-407E-A947-70E740481C1C}">
+                <a14:useLocalDpi xmlns:a14="http://schemas.microsoft.com/office/drawing/2010/main" val="0"/>
+              </a:ext>
+            </a:extLst>
+          </a:blip>
+          <a:stretch>
+            <a:fillRect/>
+          </a:stretch>
+        </p:blipFill>
+        <p:spPr>
+          <a:xfrm>
+            <a:off x="2920590" y="3141584"/>
+            <a:ext cx="6581774" cy="3702248"/>
+          </a:xfrm>
+          <a:prstGeom prst="rect">
+            <a:avLst/>
+          </a:prstGeom>
+        </p:spPr>
+      </p:pic>
+      <p:sp>
+        <p:nvSpPr>
+          <p:cNvPr id="8" name="Rectangle 7">
+            <a:extLst>
+              <a:ext uri="{FF2B5EF4-FFF2-40B4-BE49-F238E27FC236}">
+                <a16:creationId xmlns:a16="http://schemas.microsoft.com/office/drawing/2014/main" id="{690FFB7B-4736-45C1-8CA6-8AB554CA1811}"/>
+              </a:ext>
+            </a:extLst>
+          </p:cNvPr>
+          <p:cNvSpPr/>
+          <p:nvPr/>
+        </p:nvSpPr>
+        <p:spPr>
+          <a:xfrm>
+            <a:off x="3048000" y="2690336"/>
+            <a:ext cx="6096000" cy="1477328"/>
+          </a:xfrm>
+          <a:prstGeom prst="rect">
+            <a:avLst/>
+          </a:prstGeom>
+        </p:spPr>
+        <p:txBody>
+          <a:bodyPr>
+            <a:spAutoFit/>
+          </a:bodyPr>
+          <a:lstStyle/>
+          <a:p>
+            <a:pPr algn="ctr"/>
+            <a:r>
+              <a:rPr lang="en-US" b="1" dirty="0">
+                <a:solidFill>
+                  <a:srgbClr val="000000"/>
+                </a:solidFill>
+                <a:latin typeface="Nunito"/>
+              </a:rPr>
+              <a:t>Input</a:t>
+            </a:r>
+            <a:r>
+              <a:rPr lang="en-US" dirty="0">
+                <a:solidFill>
+                  <a:srgbClr val="000000"/>
+                </a:solidFill>
+                <a:latin typeface="Nunito"/>
+              </a:rPr>
+              <a:t>:</a:t>
+            </a:r>
+            <a:endParaRPr lang="en-US" dirty="0"/>
+          </a:p>
+          <a:p>
+            <a:pPr algn="ctr"/>
+            <a:br>
+              <a:rPr lang="en-US" dirty="0"/>
+            </a:br>
+            <a:r>
+              <a:rPr lang="en-US" dirty="0">
+                <a:solidFill>
+                  <a:srgbClr val="000000"/>
+                </a:solidFill>
+                <a:latin typeface="Nunito"/>
+              </a:rPr>
+              <a:t>Biodiversity Data</a:t>
+            </a:r>
+            <a:endParaRPr lang="en-US" dirty="0"/>
+          </a:p>
+          <a:p>
+            <a:br>
+              <a:rPr lang="en-US" dirty="0"/>
+            </a:br>
+            <a:endParaRPr lang="en-US" dirty="0"/>
+          </a:p>
+        </p:txBody>
+      </p:sp>
+      <p:pic>
+        <p:nvPicPr>
+          <p:cNvPr id="1026" name="Picture 2" descr="https://lh5.googleusercontent.com/tQSPt32u-TVf6-J8JXPIN4RsBTWaG5Nb_rX4R0oJyLG4I59KYDhj10PgSXkO5muxrpYJ7YO593JfOnjSScdVxa1MaMNX6_TNQINXUGucMO0M6Qj-8NiWz4L12-j2ds2PHgkWlLDtews">
+            <a:extLst>
+              <a:ext uri="{FF2B5EF4-FFF2-40B4-BE49-F238E27FC236}">
+                <a16:creationId xmlns:a16="http://schemas.microsoft.com/office/drawing/2014/main" id="{960E2936-8F64-4BD9-8D6A-7F4EFDBDB76E}"/>
+              </a:ext>
+            </a:extLst>
+          </p:cNvPr>
+          <p:cNvPicPr>
+            <a:picLocks noChangeAspect="1" noChangeArrowheads="1"/>
+          </p:cNvPicPr>
+          <p:nvPr/>
+        </p:nvPicPr>
+        <p:blipFill>
+          <a:blip r:embed="rId4">
+            <a:extLst>
+              <a:ext uri="{28A0092B-C50C-407E-A947-70E740481C1C}">
+                <a14:useLocalDpi xmlns:a14="http://schemas.microsoft.com/office/drawing/2010/main" val="0"/>
+              </a:ext>
+            </a:extLst>
+          </a:blip>
+          <a:srcRect/>
+          <a:stretch>
+            <a:fillRect/>
+          </a:stretch>
+        </p:blipFill>
+        <p:spPr bwMode="auto">
+          <a:xfrm>
+            <a:off x="576558" y="1443333"/>
+            <a:ext cx="1985667" cy="1985667"/>
+          </a:xfrm>
+          <a:prstGeom prst="rect">
+            <a:avLst/>
+          </a:prstGeom>
+          <a:noFill/>
+          <a:extLst>
+            <a:ext uri="{909E8E84-426E-40DD-AFC4-6F175D3DCCD1}">
+              <a14:hiddenFill xmlns:a14="http://schemas.microsoft.com/office/drawing/2010/main">
+                <a:solidFill>
+                  <a:srgbClr val="FFFFFF"/>
+                </a:solidFill>
+              </a14:hiddenFill>
+            </a:ext>
+          </a:extLst>
+        </p:spPr>
+      </p:pic>
+    </p:spTree>
+    <p:extLst>
+      <p:ext uri="{BB962C8B-B14F-4D97-AF65-F5344CB8AC3E}">
+        <p14:creationId xmlns:p14="http://schemas.microsoft.com/office/powerpoint/2010/main" val="4039224113"/>
+      </p:ext>
+    </p:extLst>
+  </p:cSld>
+  <p:clrMapOvr>
+    <a:masterClrMapping/>
+  </p:clrMapOvr>
+</p:sld>
+</file>
+
 <file path=ppt/slides/slide2.xml><?xml version="1.0" encoding="utf-8"?>
 <p:sld xmlns:a="http://schemas.openxmlformats.org/drawingml/2006/main" xmlns:r="http://schemas.openxmlformats.org/officeDocument/2006/relationships" xmlns:p="http://schemas.openxmlformats.org/presentationml/2006/main">
   <p:cSld>
